--- a/presentation.pptx
+++ b/presentation.pptx
@@ -5,16 +5,18 @@
     <p:sldMasterId id="2147483660" r:id="rId1"/>
   </p:sldMasterIdLst>
   <p:notesMasterIdLst>
-    <p:notesMasterId r:id="rId9"/>
+    <p:notesMasterId r:id="rId11"/>
   </p:notesMasterIdLst>
   <p:sldIdLst>
     <p:sldId id="256" r:id="rId2"/>
     <p:sldId id="257" r:id="rId3"/>
-    <p:sldId id="258" r:id="rId4"/>
-    <p:sldId id="259" r:id="rId5"/>
-    <p:sldId id="262" r:id="rId6"/>
-    <p:sldId id="260" r:id="rId7"/>
-    <p:sldId id="261" r:id="rId8"/>
+    <p:sldId id="260" r:id="rId4"/>
+    <p:sldId id="258" r:id="rId5"/>
+    <p:sldId id="263" r:id="rId6"/>
+    <p:sldId id="259" r:id="rId7"/>
+    <p:sldId id="262" r:id="rId8"/>
+    <p:sldId id="264" r:id="rId9"/>
+    <p:sldId id="261" r:id="rId10"/>
   </p:sldIdLst>
   <p:sldSz cx="12192000" cy="6858000"/>
   <p:notesSz cx="6858000" cy="9144000"/>
@@ -203,7 +205,7 @@
           <a:p>
             <a:fld id="{EA9B6AC5-70A9-498F-82A7-33A1359BA003}" type="datetimeFigureOut">
               <a:rPr lang="de-DE" smtClean="0"/>
-              <a:t>05.01.2016</a:t>
+              <a:t>14.01.2016</a:t>
             </a:fld>
             <a:endParaRPr lang="de-DE"/>
           </a:p>
@@ -4562,7 +4564,7 @@
           <a:p>
             <a:r>
               <a:rPr lang="de-DE" dirty="0" smtClean="0"/>
-              <a:t>REST API</a:t>
+              <a:t>Frontend</a:t>
             </a:r>
             <a:endParaRPr lang="de-DE" dirty="0"/>
           </a:p>
@@ -4583,527 +4585,43 @@
           <a:bodyPr/>
           <a:lstStyle/>
           <a:p>
-            <a:r>
-              <a:rPr lang="de-DE" dirty="0" smtClean="0"/>
-              <a:t>Collections</a:t>
-            </a:r>
+            <a:pPr marL="285750" indent="-285750">
+              <a:buFont typeface="Arial" panose="020B0604020202020204" pitchFamily="34" charset="0"/>
+              <a:buChar char="•"/>
+            </a:pPr>
+            <a:r>
+              <a:rPr lang="de-DE" dirty="0" err="1" smtClean="0"/>
+              <a:t>AngularJS</a:t>
+            </a:r>
+            <a:endParaRPr lang="de-DE" dirty="0" smtClean="0"/>
+          </a:p>
+          <a:p>
+            <a:pPr marL="468313" lvl="1" indent="-285750"/>
+            <a:r>
+              <a:rPr lang="de-DE" dirty="0" smtClean="0"/>
+              <a:t>Controller</a:t>
+            </a:r>
+          </a:p>
+          <a:p>
+            <a:pPr marL="468313" lvl="1" indent="-285750"/>
+            <a:r>
+              <a:rPr lang="de-DE" dirty="0" smtClean="0"/>
+              <a:t>Services</a:t>
+            </a:r>
+          </a:p>
+          <a:p>
+            <a:pPr marL="285750" indent="-285750">
+              <a:buFont typeface="Arial" panose="020B0604020202020204" pitchFamily="34" charset="0"/>
+              <a:buChar char="•"/>
+            </a:pPr>
+            <a:r>
+              <a:rPr lang="de-DE" dirty="0" smtClean="0"/>
+              <a:t>Bootstrap</a:t>
+            </a:r>
+          </a:p>
+          <a:p>
+            <a:pPr marL="468313" lvl="1" indent="-285750"/>
             <a:endParaRPr lang="de-DE" dirty="0"/>
-          </a:p>
-          <a:p>
-            <a:r>
-              <a:rPr lang="de-DE" dirty="0" smtClean="0">
-                <a:solidFill>
-                  <a:schemeClr val="accent2">
-                    <a:lumMod val="60000"/>
-                    <a:lumOff val="40000"/>
-                  </a:schemeClr>
-                </a:solidFill>
-                <a:latin typeface="Courier New" panose="02070309020205020404" pitchFamily="49" charset="0"/>
-                <a:cs typeface="Courier New" panose="02070309020205020404" pitchFamily="49" charset="0"/>
-              </a:rPr>
-              <a:t>GET	/</a:t>
-            </a:r>
-            <a:r>
-              <a:rPr lang="de-DE" dirty="0" err="1" smtClean="0">
-                <a:solidFill>
-                  <a:schemeClr val="accent2">
-                    <a:lumMod val="60000"/>
-                    <a:lumOff val="40000"/>
-                  </a:schemeClr>
-                </a:solidFill>
-                <a:latin typeface="Courier New" panose="02070309020205020404" pitchFamily="49" charset="0"/>
-                <a:cs typeface="Courier New" panose="02070309020205020404" pitchFamily="49" charset="0"/>
-              </a:rPr>
-              <a:t>documents</a:t>
-            </a:r>
-            <a:endParaRPr lang="de-DE" dirty="0" smtClean="0">
-              <a:solidFill>
-                <a:schemeClr val="accent2">
-                  <a:lumMod val="60000"/>
-                  <a:lumOff val="40000"/>
-                </a:schemeClr>
-              </a:solidFill>
-              <a:latin typeface="Courier New" panose="02070309020205020404" pitchFamily="49" charset="0"/>
-              <a:cs typeface="Courier New" panose="02070309020205020404" pitchFamily="49" charset="0"/>
-            </a:endParaRPr>
-          </a:p>
-          <a:p>
-            <a:r>
-              <a:rPr lang="de-DE" dirty="0" smtClean="0">
-                <a:solidFill>
-                  <a:schemeClr val="accent2">
-                    <a:lumMod val="60000"/>
-                    <a:lumOff val="40000"/>
-                  </a:schemeClr>
-                </a:solidFill>
-                <a:latin typeface="Courier New" panose="02070309020205020404" pitchFamily="49" charset="0"/>
-                <a:cs typeface="Courier New" panose="02070309020205020404" pitchFamily="49" charset="0"/>
-              </a:rPr>
-              <a:t>GET	/</a:t>
-            </a:r>
-            <a:r>
-              <a:rPr lang="de-DE" dirty="0" err="1" smtClean="0">
-                <a:solidFill>
-                  <a:schemeClr val="accent2">
-                    <a:lumMod val="60000"/>
-                    <a:lumOff val="40000"/>
-                  </a:schemeClr>
-                </a:solidFill>
-                <a:latin typeface="Courier New" panose="02070309020205020404" pitchFamily="49" charset="0"/>
-                <a:cs typeface="Courier New" panose="02070309020205020404" pitchFamily="49" charset="0"/>
-              </a:rPr>
-              <a:t>documents?page</a:t>
-            </a:r>
-            <a:r>
-              <a:rPr lang="de-DE" dirty="0" smtClean="0">
-                <a:solidFill>
-                  <a:schemeClr val="accent2">
-                    <a:lumMod val="60000"/>
-                    <a:lumOff val="40000"/>
-                  </a:schemeClr>
-                </a:solidFill>
-                <a:latin typeface="Courier New" panose="02070309020205020404" pitchFamily="49" charset="0"/>
-                <a:cs typeface="Courier New" panose="02070309020205020404" pitchFamily="49" charset="0"/>
-              </a:rPr>
-              <a:t>={</a:t>
-            </a:r>
-            <a:r>
-              <a:rPr lang="de-DE" dirty="0" err="1" smtClean="0">
-                <a:solidFill>
-                  <a:schemeClr val="accent2">
-                    <a:lumMod val="60000"/>
-                    <a:lumOff val="40000"/>
-                  </a:schemeClr>
-                </a:solidFill>
-                <a:latin typeface="Courier New" panose="02070309020205020404" pitchFamily="49" charset="0"/>
-                <a:cs typeface="Courier New" panose="02070309020205020404" pitchFamily="49" charset="0"/>
-              </a:rPr>
-              <a:t>page</a:t>
-            </a:r>
-            <a:r>
-              <a:rPr lang="de-DE" dirty="0" smtClean="0">
-                <a:solidFill>
-                  <a:schemeClr val="accent2">
-                    <a:lumMod val="60000"/>
-                    <a:lumOff val="40000"/>
-                  </a:schemeClr>
-                </a:solidFill>
-                <a:latin typeface="Courier New" panose="02070309020205020404" pitchFamily="49" charset="0"/>
-                <a:cs typeface="Courier New" panose="02070309020205020404" pitchFamily="49" charset="0"/>
-              </a:rPr>
-              <a:t>}</a:t>
-            </a:r>
-          </a:p>
-          <a:p>
-            <a:r>
-              <a:rPr lang="de-DE" dirty="0" smtClean="0">
-                <a:solidFill>
-                  <a:schemeClr val="accent2">
-                    <a:lumMod val="60000"/>
-                    <a:lumOff val="40000"/>
-                  </a:schemeClr>
-                </a:solidFill>
-                <a:latin typeface="Courier New" panose="02070309020205020404" pitchFamily="49" charset="0"/>
-                <a:cs typeface="Courier New" panose="02070309020205020404" pitchFamily="49" charset="0"/>
-              </a:rPr>
-              <a:t>GET	/</a:t>
-            </a:r>
-            <a:r>
-              <a:rPr lang="de-DE" dirty="0" err="1" smtClean="0">
-                <a:solidFill>
-                  <a:schemeClr val="accent2">
-                    <a:lumMod val="60000"/>
-                    <a:lumOff val="40000"/>
-                  </a:schemeClr>
-                </a:solidFill>
-                <a:latin typeface="Courier New" panose="02070309020205020404" pitchFamily="49" charset="0"/>
-                <a:cs typeface="Courier New" panose="02070309020205020404" pitchFamily="49" charset="0"/>
-              </a:rPr>
-              <a:t>documents?search</a:t>
-            </a:r>
-            <a:r>
-              <a:rPr lang="de-DE" dirty="0" smtClean="0">
-                <a:solidFill>
-                  <a:schemeClr val="accent2">
-                    <a:lumMod val="60000"/>
-                    <a:lumOff val="40000"/>
-                  </a:schemeClr>
-                </a:solidFill>
-                <a:latin typeface="Courier New" panose="02070309020205020404" pitchFamily="49" charset="0"/>
-                <a:cs typeface="Courier New" panose="02070309020205020404" pitchFamily="49" charset="0"/>
-              </a:rPr>
-              <a:t>={</a:t>
-            </a:r>
-            <a:r>
-              <a:rPr lang="de-DE" dirty="0" err="1" smtClean="0">
-                <a:solidFill>
-                  <a:schemeClr val="accent2">
-                    <a:lumMod val="60000"/>
-                    <a:lumOff val="40000"/>
-                  </a:schemeClr>
-                </a:solidFill>
-                <a:latin typeface="Courier New" panose="02070309020205020404" pitchFamily="49" charset="0"/>
-                <a:cs typeface="Courier New" panose="02070309020205020404" pitchFamily="49" charset="0"/>
-              </a:rPr>
-              <a:t>searchtext</a:t>
-            </a:r>
-            <a:r>
-              <a:rPr lang="de-DE" dirty="0" smtClean="0">
-                <a:solidFill>
-                  <a:schemeClr val="accent2">
-                    <a:lumMod val="60000"/>
-                    <a:lumOff val="40000"/>
-                  </a:schemeClr>
-                </a:solidFill>
-                <a:latin typeface="Courier New" panose="02070309020205020404" pitchFamily="49" charset="0"/>
-                <a:cs typeface="Courier New" panose="02070309020205020404" pitchFamily="49" charset="0"/>
-              </a:rPr>
-              <a:t>}&amp;</a:t>
-            </a:r>
-            <a:r>
-              <a:rPr lang="de-DE" dirty="0" err="1" smtClean="0">
-                <a:solidFill>
-                  <a:schemeClr val="accent2">
-                    <a:lumMod val="60000"/>
-                    <a:lumOff val="40000"/>
-                  </a:schemeClr>
-                </a:solidFill>
-                <a:latin typeface="Courier New" panose="02070309020205020404" pitchFamily="49" charset="0"/>
-                <a:cs typeface="Courier New" panose="02070309020205020404" pitchFamily="49" charset="0"/>
-              </a:rPr>
-              <a:t>page</a:t>
-            </a:r>
-            <a:r>
-              <a:rPr lang="de-DE" dirty="0" smtClean="0">
-                <a:solidFill>
-                  <a:schemeClr val="accent2">
-                    <a:lumMod val="60000"/>
-                    <a:lumOff val="40000"/>
-                  </a:schemeClr>
-                </a:solidFill>
-                <a:latin typeface="Courier New" panose="02070309020205020404" pitchFamily="49" charset="0"/>
-                <a:cs typeface="Courier New" panose="02070309020205020404" pitchFamily="49" charset="0"/>
-              </a:rPr>
-              <a:t>={</a:t>
-            </a:r>
-            <a:r>
-              <a:rPr lang="de-DE" dirty="0" err="1" smtClean="0">
-                <a:solidFill>
-                  <a:schemeClr val="accent2">
-                    <a:lumMod val="60000"/>
-                    <a:lumOff val="40000"/>
-                  </a:schemeClr>
-                </a:solidFill>
-                <a:latin typeface="Courier New" panose="02070309020205020404" pitchFamily="49" charset="0"/>
-                <a:cs typeface="Courier New" panose="02070309020205020404" pitchFamily="49" charset="0"/>
-              </a:rPr>
-              <a:t>page</a:t>
-            </a:r>
-            <a:r>
-              <a:rPr lang="de-DE" dirty="0" smtClean="0">
-                <a:solidFill>
-                  <a:schemeClr val="accent2">
-                    <a:lumMod val="60000"/>
-                    <a:lumOff val="40000"/>
-                  </a:schemeClr>
-                </a:solidFill>
-                <a:latin typeface="Courier New" panose="02070309020205020404" pitchFamily="49" charset="0"/>
-                <a:cs typeface="Courier New" panose="02070309020205020404" pitchFamily="49" charset="0"/>
-              </a:rPr>
-              <a:t>}</a:t>
-            </a:r>
-          </a:p>
-          <a:p>
-            <a:r>
-              <a:rPr lang="de-DE" dirty="0" smtClean="0"/>
-              <a:t>Single</a:t>
-            </a:r>
-            <a:endParaRPr lang="de-DE" dirty="0" smtClean="0"/>
-          </a:p>
-          <a:p>
-            <a:r>
-              <a:rPr lang="de-DE" dirty="0" smtClean="0">
-                <a:solidFill>
-                  <a:schemeClr val="accent2">
-                    <a:lumMod val="60000"/>
-                    <a:lumOff val="40000"/>
-                  </a:schemeClr>
-                </a:solidFill>
-                <a:latin typeface="Courier New" panose="02070309020205020404" pitchFamily="49" charset="0"/>
-                <a:cs typeface="Courier New" panose="02070309020205020404" pitchFamily="49" charset="0"/>
-              </a:rPr>
-              <a:t>GET	/</a:t>
-            </a:r>
-            <a:r>
-              <a:rPr lang="de-DE" dirty="0" err="1" smtClean="0">
-                <a:solidFill>
-                  <a:schemeClr val="accent2">
-                    <a:lumMod val="60000"/>
-                    <a:lumOff val="40000"/>
-                  </a:schemeClr>
-                </a:solidFill>
-                <a:latin typeface="Courier New" panose="02070309020205020404" pitchFamily="49" charset="0"/>
-                <a:cs typeface="Courier New" panose="02070309020205020404" pitchFamily="49" charset="0"/>
-              </a:rPr>
-              <a:t>documents</a:t>
-            </a:r>
-            <a:r>
-              <a:rPr lang="de-DE" dirty="0" smtClean="0">
-                <a:solidFill>
-                  <a:schemeClr val="accent2">
-                    <a:lumMod val="60000"/>
-                    <a:lumOff val="40000"/>
-                  </a:schemeClr>
-                </a:solidFill>
-                <a:latin typeface="Courier New" panose="02070309020205020404" pitchFamily="49" charset="0"/>
-                <a:cs typeface="Courier New" panose="02070309020205020404" pitchFamily="49" charset="0"/>
-              </a:rPr>
-              <a:t>/{</a:t>
-            </a:r>
-            <a:r>
-              <a:rPr lang="de-DE" dirty="0" err="1" smtClean="0">
-                <a:solidFill>
-                  <a:schemeClr val="accent2">
-                    <a:lumMod val="60000"/>
-                    <a:lumOff val="40000"/>
-                  </a:schemeClr>
-                </a:solidFill>
-                <a:latin typeface="Courier New" panose="02070309020205020404" pitchFamily="49" charset="0"/>
-                <a:cs typeface="Courier New" panose="02070309020205020404" pitchFamily="49" charset="0"/>
-              </a:rPr>
-              <a:t>id</a:t>
-            </a:r>
-            <a:r>
-              <a:rPr lang="de-DE" dirty="0" smtClean="0">
-                <a:solidFill>
-                  <a:schemeClr val="accent2">
-                    <a:lumMod val="60000"/>
-                    <a:lumOff val="40000"/>
-                  </a:schemeClr>
-                </a:solidFill>
-                <a:latin typeface="Courier New" panose="02070309020205020404" pitchFamily="49" charset="0"/>
-                <a:cs typeface="Courier New" panose="02070309020205020404" pitchFamily="49" charset="0"/>
-              </a:rPr>
-              <a:t>}</a:t>
-            </a:r>
-          </a:p>
-          <a:p>
-            <a:r>
-              <a:rPr lang="de-DE" dirty="0" smtClean="0">
-                <a:solidFill>
-                  <a:schemeClr val="accent2">
-                    <a:lumMod val="60000"/>
-                    <a:lumOff val="40000"/>
-                  </a:schemeClr>
-                </a:solidFill>
-                <a:latin typeface="Courier New" panose="02070309020205020404" pitchFamily="49" charset="0"/>
-                <a:cs typeface="Courier New" panose="02070309020205020404" pitchFamily="49" charset="0"/>
-              </a:rPr>
-              <a:t>DELETE	</a:t>
-            </a:r>
-            <a:r>
-              <a:rPr lang="de-DE" dirty="0" smtClean="0">
-                <a:solidFill>
-                  <a:schemeClr val="accent2">
-                    <a:lumMod val="60000"/>
-                    <a:lumOff val="40000"/>
-                  </a:schemeClr>
-                </a:solidFill>
-                <a:latin typeface="Courier New" panose="02070309020205020404" pitchFamily="49" charset="0"/>
-                <a:cs typeface="Courier New" panose="02070309020205020404" pitchFamily="49" charset="0"/>
-              </a:rPr>
-              <a:t>/</a:t>
-            </a:r>
-            <a:r>
-              <a:rPr lang="de-DE" dirty="0" err="1" smtClean="0">
-                <a:solidFill>
-                  <a:schemeClr val="accent2">
-                    <a:lumMod val="60000"/>
-                    <a:lumOff val="40000"/>
-                  </a:schemeClr>
-                </a:solidFill>
-                <a:latin typeface="Courier New" panose="02070309020205020404" pitchFamily="49" charset="0"/>
-                <a:cs typeface="Courier New" panose="02070309020205020404" pitchFamily="49" charset="0"/>
-              </a:rPr>
-              <a:t>documents</a:t>
-            </a:r>
-            <a:r>
-              <a:rPr lang="de-DE" dirty="0" smtClean="0">
-                <a:solidFill>
-                  <a:schemeClr val="accent2">
-                    <a:lumMod val="60000"/>
-                    <a:lumOff val="40000"/>
-                  </a:schemeClr>
-                </a:solidFill>
-                <a:latin typeface="Courier New" panose="02070309020205020404" pitchFamily="49" charset="0"/>
-                <a:cs typeface="Courier New" panose="02070309020205020404" pitchFamily="49" charset="0"/>
-              </a:rPr>
-              <a:t>/{</a:t>
-            </a:r>
-            <a:r>
-              <a:rPr lang="de-DE" dirty="0" err="1" smtClean="0">
-                <a:solidFill>
-                  <a:schemeClr val="accent2">
-                    <a:lumMod val="60000"/>
-                    <a:lumOff val="40000"/>
-                  </a:schemeClr>
-                </a:solidFill>
-                <a:latin typeface="Courier New" panose="02070309020205020404" pitchFamily="49" charset="0"/>
-                <a:cs typeface="Courier New" panose="02070309020205020404" pitchFamily="49" charset="0"/>
-              </a:rPr>
-              <a:t>id</a:t>
-            </a:r>
-            <a:r>
-              <a:rPr lang="de-DE" dirty="0" smtClean="0">
-                <a:solidFill>
-                  <a:schemeClr val="accent2">
-                    <a:lumMod val="60000"/>
-                    <a:lumOff val="40000"/>
-                  </a:schemeClr>
-                </a:solidFill>
-                <a:latin typeface="Courier New" panose="02070309020205020404" pitchFamily="49" charset="0"/>
-                <a:cs typeface="Courier New" panose="02070309020205020404" pitchFamily="49" charset="0"/>
-              </a:rPr>
-              <a:t>}</a:t>
-            </a:r>
-          </a:p>
-          <a:p>
-            <a:r>
-              <a:rPr lang="de-DE" dirty="0" smtClean="0">
-                <a:solidFill>
-                  <a:schemeClr val="accent2">
-                    <a:lumMod val="60000"/>
-                    <a:lumOff val="40000"/>
-                  </a:schemeClr>
-                </a:solidFill>
-                <a:latin typeface="Courier New" panose="02070309020205020404" pitchFamily="49" charset="0"/>
-                <a:cs typeface="Courier New" panose="02070309020205020404" pitchFamily="49" charset="0"/>
-              </a:rPr>
-              <a:t>POST	/</a:t>
-            </a:r>
-            <a:r>
-              <a:rPr lang="de-DE" dirty="0" err="1" smtClean="0">
-                <a:solidFill>
-                  <a:schemeClr val="accent2">
-                    <a:lumMod val="60000"/>
-                    <a:lumOff val="40000"/>
-                  </a:schemeClr>
-                </a:solidFill>
-                <a:latin typeface="Courier New" panose="02070309020205020404" pitchFamily="49" charset="0"/>
-                <a:cs typeface="Courier New" panose="02070309020205020404" pitchFamily="49" charset="0"/>
-              </a:rPr>
-              <a:t>documents</a:t>
-            </a:r>
-            <a:r>
-              <a:rPr lang="de-DE" dirty="0">
-                <a:solidFill>
-                  <a:schemeClr val="accent2">
-                    <a:lumMod val="60000"/>
-                    <a:lumOff val="40000"/>
-                  </a:schemeClr>
-                </a:solidFill>
-                <a:latin typeface="Courier New" panose="02070309020205020404" pitchFamily="49" charset="0"/>
-                <a:cs typeface="Courier New" panose="02070309020205020404" pitchFamily="49" charset="0"/>
-              </a:rPr>
-              <a:t>	</a:t>
-            </a:r>
-            <a:r>
-              <a:rPr lang="de-DE" dirty="0" smtClean="0">
-                <a:solidFill>
-                  <a:schemeClr val="accent2">
-                    <a:lumMod val="60000"/>
-                    <a:lumOff val="40000"/>
-                  </a:schemeClr>
-                </a:solidFill>
-                <a:latin typeface="Courier New" panose="02070309020205020404" pitchFamily="49" charset="0"/>
-                <a:cs typeface="Courier New" panose="02070309020205020404" pitchFamily="49" charset="0"/>
-              </a:rPr>
-              <a:t>		[</a:t>
-            </a:r>
-            <a:r>
-              <a:rPr lang="de-DE" dirty="0" err="1" smtClean="0">
-                <a:solidFill>
-                  <a:schemeClr val="accent2">
-                    <a:lumMod val="60000"/>
-                    <a:lumOff val="40000"/>
-                  </a:schemeClr>
-                </a:solidFill>
-                <a:latin typeface="Courier New" panose="02070309020205020404" pitchFamily="49" charset="0"/>
-                <a:cs typeface="Courier New" panose="02070309020205020404" pitchFamily="49" charset="0"/>
-              </a:rPr>
-              <a:t>Document</a:t>
-            </a:r>
-            <a:r>
-              <a:rPr lang="de-DE" dirty="0" smtClean="0">
-                <a:solidFill>
-                  <a:schemeClr val="accent2">
-                    <a:lumMod val="60000"/>
-                    <a:lumOff val="40000"/>
-                  </a:schemeClr>
-                </a:solidFill>
-                <a:latin typeface="Courier New" panose="02070309020205020404" pitchFamily="49" charset="0"/>
-                <a:cs typeface="Courier New" panose="02070309020205020404" pitchFamily="49" charset="0"/>
-              </a:rPr>
-              <a:t> als JSON im Body]</a:t>
-            </a:r>
-            <a:endParaRPr lang="de-DE" dirty="0" smtClean="0">
-              <a:solidFill>
-                <a:schemeClr val="accent2">
-                  <a:lumMod val="60000"/>
-                  <a:lumOff val="40000"/>
-                </a:schemeClr>
-              </a:solidFill>
-              <a:latin typeface="Courier New" panose="02070309020205020404" pitchFamily="49" charset="0"/>
-              <a:cs typeface="Courier New" panose="02070309020205020404" pitchFamily="49" charset="0"/>
-            </a:endParaRPr>
-          </a:p>
-          <a:p>
-            <a:endParaRPr lang="de-DE" dirty="0" smtClean="0">
-              <a:solidFill>
-                <a:schemeClr val="accent2">
-                  <a:lumMod val="60000"/>
-                  <a:lumOff val="40000"/>
-                </a:schemeClr>
-              </a:solidFill>
-              <a:latin typeface="Courier New" panose="02070309020205020404" pitchFamily="49" charset="0"/>
-              <a:cs typeface="Courier New" panose="02070309020205020404" pitchFamily="49" charset="0"/>
-            </a:endParaRPr>
-          </a:p>
-          <a:p>
-            <a:endParaRPr lang="de-DE" dirty="0" smtClean="0">
-              <a:solidFill>
-                <a:schemeClr val="accent2">
-                  <a:lumMod val="60000"/>
-                  <a:lumOff val="40000"/>
-                </a:schemeClr>
-              </a:solidFill>
-              <a:latin typeface="Courier New" panose="02070309020205020404" pitchFamily="49" charset="0"/>
-              <a:cs typeface="Courier New" panose="02070309020205020404" pitchFamily="49" charset="0"/>
-            </a:endParaRPr>
-          </a:p>
-          <a:p>
-            <a:endParaRPr lang="de-DE" dirty="0" smtClean="0">
-              <a:solidFill>
-                <a:schemeClr val="accent2">
-                  <a:lumMod val="60000"/>
-                  <a:lumOff val="40000"/>
-                </a:schemeClr>
-              </a:solidFill>
-              <a:latin typeface="Courier New" panose="02070309020205020404" pitchFamily="49" charset="0"/>
-              <a:cs typeface="Courier New" panose="02070309020205020404" pitchFamily="49" charset="0"/>
-            </a:endParaRPr>
-          </a:p>
-          <a:p>
-            <a:endParaRPr lang="de-DE" dirty="0">
-              <a:solidFill>
-                <a:schemeClr val="accent2">
-                  <a:lumMod val="60000"/>
-                  <a:lumOff val="40000"/>
-                </a:schemeClr>
-              </a:solidFill>
-              <a:latin typeface="Courier New" panose="02070309020205020404" pitchFamily="49" charset="0"/>
-              <a:cs typeface="Courier New" panose="02070309020205020404" pitchFamily="49" charset="0"/>
-            </a:endParaRPr>
           </a:p>
         </p:txBody>
       </p:sp>
@@ -5188,7 +4706,7 @@
     </p:spTree>
     <p:extLst>
       <p:ext uri="{BB962C8B-B14F-4D97-AF65-F5344CB8AC3E}">
-        <p14:creationId xmlns:p14="http://schemas.microsoft.com/office/powerpoint/2010/main" val="4099422022"/>
+        <p14:creationId xmlns:p14="http://schemas.microsoft.com/office/powerpoint/2010/main" val="698948120"/>
       </p:ext>
     </p:extLst>
   </p:cSld>
@@ -5233,7 +4751,7 @@
           <a:p>
             <a:r>
               <a:rPr lang="de-DE" dirty="0" smtClean="0"/>
-              <a:t>Fine-Tuning der Suche</a:t>
+              <a:t>REST API</a:t>
             </a:r>
             <a:endParaRPr lang="de-DE" dirty="0"/>
           </a:p>
@@ -5249,128 +4767,879 @@
             <p:ph idx="1"/>
           </p:nvPr>
         </p:nvSpPr>
-        <p:spPr/>
+        <p:spPr>
+          <a:xfrm>
+            <a:off x="1295399" y="2636838"/>
+            <a:ext cx="10389577" cy="3600450"/>
+          </a:xfrm>
+        </p:spPr>
         <p:txBody>
           <a:bodyPr/>
           <a:lstStyle/>
           <a:p>
-            <a:pPr marL="285750" indent="-285750">
-              <a:buFont typeface="Arial" panose="020B0604020202020204" pitchFamily="34" charset="0"/>
-              <a:buChar char="•"/>
-            </a:pPr>
-            <a:r>
-              <a:rPr lang="de-DE" dirty="0" smtClean="0"/>
-              <a:t>Score ist für die </a:t>
-            </a:r>
-            <a:r>
-              <a:rPr lang="de-DE" dirty="0"/>
-              <a:t>S</a:t>
-            </a:r>
-            <a:r>
-              <a:rPr lang="de-DE" dirty="0" smtClean="0"/>
-              <a:t>ortierung zuständig</a:t>
-            </a:r>
-          </a:p>
-          <a:p>
-            <a:pPr marL="285750" indent="-285750">
-              <a:buFont typeface="Arial" panose="020B0604020202020204" pitchFamily="34" charset="0"/>
-              <a:buChar char="•"/>
-            </a:pPr>
-            <a:r>
-              <a:rPr lang="de-DE" dirty="0" smtClean="0"/>
-              <a:t>Der Score wird aus drei Teilen Berechnet</a:t>
-            </a:r>
-          </a:p>
-          <a:p>
-            <a:pPr marL="468313" lvl="1" indent="-285750"/>
-            <a:r>
-              <a:rPr lang="de-DE" dirty="0" smtClean="0"/>
-              <a:t>Häufigkeit des Suchbegriffs im Dokument (</a:t>
-            </a:r>
-            <a:r>
-              <a:rPr lang="de-DE" dirty="0"/>
-              <a:t>Term </a:t>
-            </a:r>
-            <a:r>
-              <a:rPr lang="de-DE" dirty="0" err="1"/>
-              <a:t>frequency</a:t>
-            </a:r>
-            <a:r>
-              <a:rPr lang="de-DE" dirty="0" smtClean="0"/>
-              <a:t>)</a:t>
-            </a:r>
-          </a:p>
-          <a:p>
-            <a:pPr marL="468313" lvl="1" indent="-285750"/>
-            <a:r>
-              <a:rPr lang="de-DE" dirty="0" smtClean="0"/>
-              <a:t>Textlänge des Dokuments (</a:t>
-            </a:r>
-            <a:r>
-              <a:rPr lang="de-DE" dirty="0"/>
-              <a:t>Field-</a:t>
-            </a:r>
-            <a:r>
-              <a:rPr lang="de-DE" dirty="0" err="1"/>
-              <a:t>length</a:t>
-            </a:r>
-            <a:r>
-              <a:rPr lang="de-DE" dirty="0"/>
+            <a:r>
+              <a:rPr lang="de-DE" dirty="0" smtClean="0"/>
+              <a:t>Collections</a:t>
+            </a:r>
+            <a:endParaRPr lang="de-DE" dirty="0"/>
+          </a:p>
+          <a:p>
+            <a:r>
+              <a:rPr lang="de-DE" dirty="0" smtClean="0">
+                <a:solidFill>
+                  <a:schemeClr val="accent2">
+                    <a:lumMod val="60000"/>
+                    <a:lumOff val="40000"/>
+                  </a:schemeClr>
+                </a:solidFill>
+                <a:latin typeface="Courier New" panose="02070309020205020404" pitchFamily="49" charset="0"/>
+                <a:cs typeface="Courier New" panose="02070309020205020404" pitchFamily="49" charset="0"/>
+              </a:rPr>
+              <a:t>GET	/</a:t>
+            </a:r>
+            <a:r>
+              <a:rPr lang="de-DE" dirty="0" err="1" smtClean="0">
+                <a:solidFill>
+                  <a:schemeClr val="accent2">
+                    <a:lumMod val="60000"/>
+                    <a:lumOff val="40000"/>
+                  </a:schemeClr>
+                </a:solidFill>
+                <a:latin typeface="Courier New" panose="02070309020205020404" pitchFamily="49" charset="0"/>
+                <a:cs typeface="Courier New" panose="02070309020205020404" pitchFamily="49" charset="0"/>
+              </a:rPr>
+              <a:t>documents</a:t>
+            </a:r>
+            <a:r>
+              <a:rPr lang="de-DE" dirty="0" smtClean="0">
+                <a:solidFill>
+                  <a:schemeClr val="accent2">
+                    <a:lumMod val="60000"/>
+                    <a:lumOff val="40000"/>
+                  </a:schemeClr>
+                </a:solidFill>
+                <a:latin typeface="Courier New" panose="02070309020205020404" pitchFamily="49" charset="0"/>
+                <a:cs typeface="Courier New" panose="02070309020205020404" pitchFamily="49" charset="0"/>
+              </a:rPr>
+              <a:t>				//all </a:t>
+            </a:r>
+            <a:r>
+              <a:rPr lang="de-DE" dirty="0" err="1" smtClean="0">
+                <a:solidFill>
+                  <a:schemeClr val="accent2">
+                    <a:lumMod val="60000"/>
+                    <a:lumOff val="40000"/>
+                  </a:schemeClr>
+                </a:solidFill>
+                <a:latin typeface="Courier New" panose="02070309020205020404" pitchFamily="49" charset="0"/>
+                <a:cs typeface="Courier New" panose="02070309020205020404" pitchFamily="49" charset="0"/>
+              </a:rPr>
+              <a:t>documents</a:t>
+            </a:r>
+            <a:endParaRPr lang="de-DE" dirty="0" smtClean="0">
+              <a:solidFill>
+                <a:schemeClr val="accent2">
+                  <a:lumMod val="60000"/>
+                  <a:lumOff val="40000"/>
+                </a:schemeClr>
+              </a:solidFill>
+              <a:latin typeface="Courier New" panose="02070309020205020404" pitchFamily="49" charset="0"/>
+              <a:cs typeface="Courier New" panose="02070309020205020404" pitchFamily="49" charset="0"/>
+            </a:endParaRPr>
+          </a:p>
+          <a:p>
+            <a:r>
+              <a:rPr lang="de-DE" dirty="0" smtClean="0">
+                <a:solidFill>
+                  <a:schemeClr val="accent2">
+                    <a:lumMod val="60000"/>
+                    <a:lumOff val="40000"/>
+                  </a:schemeClr>
+                </a:solidFill>
+                <a:latin typeface="Courier New" panose="02070309020205020404" pitchFamily="49" charset="0"/>
+                <a:cs typeface="Courier New" panose="02070309020205020404" pitchFamily="49" charset="0"/>
+              </a:rPr>
+              <a:t>GET	/</a:t>
+            </a:r>
+            <a:r>
+              <a:rPr lang="de-DE" dirty="0" err="1" smtClean="0">
+                <a:solidFill>
+                  <a:schemeClr val="accent2">
+                    <a:lumMod val="60000"/>
+                    <a:lumOff val="40000"/>
+                  </a:schemeClr>
+                </a:solidFill>
+                <a:latin typeface="Courier New" panose="02070309020205020404" pitchFamily="49" charset="0"/>
+                <a:cs typeface="Courier New" panose="02070309020205020404" pitchFamily="49" charset="0"/>
+              </a:rPr>
+              <a:t>documents?page</a:t>
+            </a:r>
+            <a:r>
+              <a:rPr lang="de-DE" dirty="0" smtClean="0">
+                <a:solidFill>
+                  <a:schemeClr val="accent2">
+                    <a:lumMod val="60000"/>
+                    <a:lumOff val="40000"/>
+                  </a:schemeClr>
+                </a:solidFill>
+                <a:latin typeface="Courier New" panose="02070309020205020404" pitchFamily="49" charset="0"/>
+                <a:cs typeface="Courier New" panose="02070309020205020404" pitchFamily="49" charset="0"/>
+              </a:rPr>
+              <a:t>={</a:t>
+            </a:r>
+            <a:r>
+              <a:rPr lang="de-DE" dirty="0" err="1" smtClean="0">
+                <a:solidFill>
+                  <a:schemeClr val="accent2">
+                    <a:lumMod val="60000"/>
+                    <a:lumOff val="40000"/>
+                  </a:schemeClr>
+                </a:solidFill>
+                <a:latin typeface="Courier New" panose="02070309020205020404" pitchFamily="49" charset="0"/>
+                <a:cs typeface="Courier New" panose="02070309020205020404" pitchFamily="49" charset="0"/>
+              </a:rPr>
+              <a:t>page</a:t>
+            </a:r>
+            <a:r>
+              <a:rPr lang="de-DE" dirty="0" smtClean="0">
+                <a:solidFill>
+                  <a:schemeClr val="accent2">
+                    <a:lumMod val="60000"/>
+                    <a:lumOff val="40000"/>
+                  </a:schemeClr>
+                </a:solidFill>
+                <a:latin typeface="Courier New" panose="02070309020205020404" pitchFamily="49" charset="0"/>
+                <a:cs typeface="Courier New" panose="02070309020205020404" pitchFamily="49" charset="0"/>
+              </a:rPr>
+              <a:t>}		//10 </a:t>
+            </a:r>
+            <a:r>
+              <a:rPr lang="de-DE" dirty="0" err="1" smtClean="0">
+                <a:solidFill>
+                  <a:schemeClr val="accent2">
+                    <a:lumMod val="60000"/>
+                    <a:lumOff val="40000"/>
+                  </a:schemeClr>
+                </a:solidFill>
+                <a:latin typeface="Courier New" panose="02070309020205020404" pitchFamily="49" charset="0"/>
+                <a:cs typeface="Courier New" panose="02070309020205020404" pitchFamily="49" charset="0"/>
+              </a:rPr>
+              <a:t>documents</a:t>
+            </a:r>
+            <a:r>
+              <a:rPr lang="de-DE" dirty="0" smtClean="0">
+                <a:solidFill>
+                  <a:schemeClr val="accent2">
+                    <a:lumMod val="60000"/>
+                    <a:lumOff val="40000"/>
+                  </a:schemeClr>
+                </a:solidFill>
+                <a:latin typeface="Courier New" panose="02070309020205020404" pitchFamily="49" charset="0"/>
+                <a:cs typeface="Courier New" panose="02070309020205020404" pitchFamily="49" charset="0"/>
+              </a:rPr>
+              <a:t> per </a:t>
+            </a:r>
+            <a:r>
+              <a:rPr lang="de-DE" dirty="0" err="1" smtClean="0">
+                <a:solidFill>
+                  <a:schemeClr val="accent2">
+                    <a:lumMod val="60000"/>
+                    <a:lumOff val="40000"/>
+                  </a:schemeClr>
+                </a:solidFill>
+                <a:latin typeface="Courier New" panose="02070309020205020404" pitchFamily="49" charset="0"/>
+                <a:cs typeface="Courier New" panose="02070309020205020404" pitchFamily="49" charset="0"/>
+              </a:rPr>
+              <a:t>page</a:t>
+            </a:r>
+            <a:endParaRPr lang="de-DE" dirty="0" smtClean="0">
+              <a:solidFill>
+                <a:schemeClr val="accent2">
+                  <a:lumMod val="60000"/>
+                  <a:lumOff val="40000"/>
+                </a:schemeClr>
+              </a:solidFill>
+              <a:latin typeface="Courier New" panose="02070309020205020404" pitchFamily="49" charset="0"/>
+              <a:cs typeface="Courier New" panose="02070309020205020404" pitchFamily="49" charset="0"/>
+            </a:endParaRPr>
+          </a:p>
+          <a:p>
+            <a:r>
+              <a:rPr lang="de-DE" dirty="0" smtClean="0">
+                <a:solidFill>
+                  <a:schemeClr val="accent2">
+                    <a:lumMod val="60000"/>
+                    <a:lumOff val="40000"/>
+                  </a:schemeClr>
+                </a:solidFill>
+                <a:latin typeface="Courier New" panose="02070309020205020404" pitchFamily="49" charset="0"/>
+                <a:cs typeface="Courier New" panose="02070309020205020404" pitchFamily="49" charset="0"/>
+              </a:rPr>
+              <a:t>GET</a:t>
+            </a:r>
+            <a:r>
+              <a:rPr lang="de-DE" dirty="0" smtClean="0">
+                <a:solidFill>
+                  <a:schemeClr val="accent2">
+                    <a:lumMod val="60000"/>
+                    <a:lumOff val="40000"/>
+                  </a:schemeClr>
+                </a:solidFill>
+                <a:latin typeface="Courier New" panose="02070309020205020404" pitchFamily="49" charset="0"/>
+                <a:cs typeface="Courier New" panose="02070309020205020404" pitchFamily="49" charset="0"/>
+              </a:rPr>
+              <a:t>	/</a:t>
+            </a:r>
+            <a:r>
+              <a:rPr lang="de-DE" dirty="0" err="1" smtClean="0">
+                <a:solidFill>
+                  <a:schemeClr val="accent2">
+                    <a:lumMod val="60000"/>
+                    <a:lumOff val="40000"/>
+                  </a:schemeClr>
+                </a:solidFill>
+                <a:latin typeface="Courier New" panose="02070309020205020404" pitchFamily="49" charset="0"/>
+                <a:cs typeface="Courier New" panose="02070309020205020404" pitchFamily="49" charset="0"/>
+              </a:rPr>
+              <a:t>documents?search</a:t>
+            </a:r>
+            <a:r>
+              <a:rPr lang="de-DE" dirty="0" smtClean="0">
+                <a:solidFill>
+                  <a:schemeClr val="accent2">
+                    <a:lumMod val="60000"/>
+                    <a:lumOff val="40000"/>
+                  </a:schemeClr>
+                </a:solidFill>
+                <a:latin typeface="Courier New" panose="02070309020205020404" pitchFamily="49" charset="0"/>
+                <a:cs typeface="Courier New" panose="02070309020205020404" pitchFamily="49" charset="0"/>
+              </a:rPr>
+              <a:t>={</a:t>
+            </a:r>
+            <a:r>
+              <a:rPr lang="de-DE" dirty="0" err="1" smtClean="0">
+                <a:solidFill>
+                  <a:schemeClr val="accent2">
+                    <a:lumMod val="60000"/>
+                    <a:lumOff val="40000"/>
+                  </a:schemeClr>
+                </a:solidFill>
+                <a:latin typeface="Courier New" panose="02070309020205020404" pitchFamily="49" charset="0"/>
+                <a:cs typeface="Courier New" panose="02070309020205020404" pitchFamily="49" charset="0"/>
+              </a:rPr>
+              <a:t>searchtext</a:t>
+            </a:r>
+            <a:r>
+              <a:rPr lang="de-DE" dirty="0" smtClean="0">
+                <a:solidFill>
+                  <a:schemeClr val="accent2">
+                    <a:lumMod val="60000"/>
+                    <a:lumOff val="40000"/>
+                  </a:schemeClr>
+                </a:solidFill>
+                <a:latin typeface="Courier New" panose="02070309020205020404" pitchFamily="49" charset="0"/>
+                <a:cs typeface="Courier New" panose="02070309020205020404" pitchFamily="49" charset="0"/>
+              </a:rPr>
+              <a:t>}&amp;</a:t>
+            </a:r>
+            <a:r>
+              <a:rPr lang="de-DE" dirty="0" err="1" smtClean="0">
+                <a:solidFill>
+                  <a:schemeClr val="accent2">
+                    <a:lumMod val="60000"/>
+                    <a:lumOff val="40000"/>
+                  </a:schemeClr>
+                </a:solidFill>
+                <a:latin typeface="Courier New" panose="02070309020205020404" pitchFamily="49" charset="0"/>
+                <a:cs typeface="Courier New" panose="02070309020205020404" pitchFamily="49" charset="0"/>
+              </a:rPr>
+              <a:t>page</a:t>
+            </a:r>
+            <a:r>
+              <a:rPr lang="de-DE" dirty="0" smtClean="0">
+                <a:solidFill>
+                  <a:schemeClr val="accent2">
+                    <a:lumMod val="60000"/>
+                    <a:lumOff val="40000"/>
+                  </a:schemeClr>
+                </a:solidFill>
+                <a:latin typeface="Courier New" panose="02070309020205020404" pitchFamily="49" charset="0"/>
+                <a:cs typeface="Courier New" panose="02070309020205020404" pitchFamily="49" charset="0"/>
+              </a:rPr>
+              <a:t>={</a:t>
+            </a:r>
+            <a:r>
+              <a:rPr lang="de-DE" dirty="0" err="1" smtClean="0">
+                <a:solidFill>
+                  <a:schemeClr val="accent2">
+                    <a:lumMod val="60000"/>
+                    <a:lumOff val="40000"/>
+                  </a:schemeClr>
+                </a:solidFill>
+                <a:latin typeface="Courier New" panose="02070309020205020404" pitchFamily="49" charset="0"/>
+                <a:cs typeface="Courier New" panose="02070309020205020404" pitchFamily="49" charset="0"/>
+              </a:rPr>
+              <a:t>page</a:t>
+            </a:r>
+            <a:r>
+              <a:rPr lang="de-DE" dirty="0" smtClean="0">
+                <a:solidFill>
+                  <a:schemeClr val="accent2">
+                    <a:lumMod val="60000"/>
+                    <a:lumOff val="40000"/>
+                  </a:schemeClr>
+                </a:solidFill>
+                <a:latin typeface="Courier New" panose="02070309020205020404" pitchFamily="49" charset="0"/>
+                <a:cs typeface="Courier New" panose="02070309020205020404" pitchFamily="49" charset="0"/>
+              </a:rPr>
+              <a:t>}	</a:t>
+            </a:r>
+          </a:p>
+          <a:p>
+            <a:endParaRPr lang="de-DE" dirty="0" smtClean="0">
+              <a:solidFill>
+                <a:schemeClr val="accent2">
+                  <a:lumMod val="60000"/>
+                  <a:lumOff val="40000"/>
+                </a:schemeClr>
+              </a:solidFill>
+              <a:latin typeface="Courier New" panose="02070309020205020404" pitchFamily="49" charset="0"/>
+              <a:cs typeface="Courier New" panose="02070309020205020404" pitchFamily="49" charset="0"/>
+            </a:endParaRPr>
+          </a:p>
+          <a:p>
+            <a:r>
+              <a:rPr lang="de-DE" dirty="0" smtClean="0"/>
+              <a:t>Single</a:t>
+            </a:r>
+          </a:p>
+          <a:p>
+            <a:r>
+              <a:rPr lang="de-DE" dirty="0">
+                <a:solidFill>
+                  <a:schemeClr val="accent2">
+                    <a:lumMod val="60000"/>
+                    <a:lumOff val="40000"/>
+                  </a:schemeClr>
+                </a:solidFill>
+                <a:latin typeface="Courier New" panose="02070309020205020404" pitchFamily="49" charset="0"/>
+                <a:cs typeface="Courier New" panose="02070309020205020404" pitchFamily="49" charset="0"/>
+              </a:rPr>
+              <a:t>GET	/</a:t>
+            </a:r>
+            <a:r>
+              <a:rPr lang="de-DE" dirty="0" err="1">
+                <a:solidFill>
+                  <a:schemeClr val="accent2">
+                    <a:lumMod val="60000"/>
+                    <a:lumOff val="40000"/>
+                  </a:schemeClr>
+                </a:solidFill>
+                <a:latin typeface="Courier New" panose="02070309020205020404" pitchFamily="49" charset="0"/>
+                <a:cs typeface="Courier New" panose="02070309020205020404" pitchFamily="49" charset="0"/>
+              </a:rPr>
+              <a:t>documents</a:t>
+            </a:r>
+            <a:r>
+              <a:rPr lang="de-DE" dirty="0">
+                <a:solidFill>
+                  <a:schemeClr val="accent2">
+                    <a:lumMod val="60000"/>
+                    <a:lumOff val="40000"/>
+                  </a:schemeClr>
+                </a:solidFill>
+                <a:latin typeface="Courier New" panose="02070309020205020404" pitchFamily="49" charset="0"/>
+                <a:cs typeface="Courier New" panose="02070309020205020404" pitchFamily="49" charset="0"/>
+              </a:rPr>
+              <a:t>/{</a:t>
+            </a:r>
+            <a:r>
+              <a:rPr lang="de-DE" dirty="0" err="1">
+                <a:solidFill>
+                  <a:schemeClr val="accent2">
+                    <a:lumMod val="60000"/>
+                    <a:lumOff val="40000"/>
+                  </a:schemeClr>
+                </a:solidFill>
+                <a:latin typeface="Courier New" panose="02070309020205020404" pitchFamily="49" charset="0"/>
+                <a:cs typeface="Courier New" panose="02070309020205020404" pitchFamily="49" charset="0"/>
+              </a:rPr>
+              <a:t>id</a:t>
+            </a:r>
+            <a:r>
+              <a:rPr lang="de-DE" dirty="0" smtClean="0">
+                <a:solidFill>
+                  <a:schemeClr val="accent2">
+                    <a:lumMod val="60000"/>
+                    <a:lumOff val="40000"/>
+                  </a:schemeClr>
+                </a:solidFill>
+                <a:latin typeface="Courier New" panose="02070309020205020404" pitchFamily="49" charset="0"/>
+                <a:cs typeface="Courier New" panose="02070309020205020404" pitchFamily="49" charset="0"/>
+              </a:rPr>
+              <a:t>}			//</a:t>
+            </a:r>
+            <a:r>
+              <a:rPr lang="de-DE" dirty="0" err="1" smtClean="0">
+                <a:solidFill>
+                  <a:schemeClr val="accent2">
+                    <a:lumMod val="60000"/>
+                    <a:lumOff val="40000"/>
+                  </a:schemeClr>
+                </a:solidFill>
+                <a:latin typeface="Courier New" panose="02070309020205020404" pitchFamily="49" charset="0"/>
+                <a:cs typeface="Courier New" panose="02070309020205020404" pitchFamily="49" charset="0"/>
+              </a:rPr>
+              <a:t>document</a:t>
+            </a:r>
+            <a:r>
+              <a:rPr lang="de-DE" dirty="0" smtClean="0">
+                <a:solidFill>
+                  <a:schemeClr val="accent2">
+                    <a:lumMod val="60000"/>
+                    <a:lumOff val="40000"/>
+                  </a:schemeClr>
+                </a:solidFill>
+                <a:latin typeface="Courier New" panose="02070309020205020404" pitchFamily="49" charset="0"/>
+                <a:cs typeface="Courier New" panose="02070309020205020404" pitchFamily="49" charset="0"/>
+              </a:rPr>
               <a:t> </a:t>
             </a:r>
             <a:r>
-              <a:rPr lang="de-DE" dirty="0" smtClean="0"/>
-              <a:t>norm)</a:t>
-            </a:r>
-          </a:p>
-          <a:p>
-            <a:pPr marL="468313" lvl="1" indent="-285750"/>
-            <a:r>
-              <a:rPr lang="de-DE" dirty="0" smtClean="0"/>
-              <a:t>Häufigkeit des </a:t>
-            </a:r>
-            <a:r>
-              <a:rPr lang="de-DE" dirty="0" smtClean="0"/>
-              <a:t>Suchbegriffs in </a:t>
-            </a:r>
-            <a:r>
-              <a:rPr lang="de-DE" dirty="0" smtClean="0"/>
-              <a:t>anderen Dokumenten auf diesem </a:t>
-            </a:r>
-            <a:r>
-              <a:rPr lang="de-DE" dirty="0" err="1" smtClean="0"/>
-              <a:t>Shard</a:t>
-            </a:r>
-            <a:r>
-              <a:rPr lang="de-DE" dirty="0" smtClean="0"/>
-              <a:t> vor (</a:t>
-            </a:r>
-            <a:r>
-              <a:rPr lang="de-DE" dirty="0"/>
-              <a:t>Inverse </a:t>
-            </a:r>
-            <a:r>
-              <a:rPr lang="de-DE" dirty="0" err="1"/>
-              <a:t>document</a:t>
-            </a:r>
-            <a:r>
-              <a:rPr lang="de-DE" dirty="0"/>
+              <a:rPr lang="de-DE" dirty="0" err="1" smtClean="0">
+                <a:solidFill>
+                  <a:schemeClr val="accent2">
+                    <a:lumMod val="60000"/>
+                    <a:lumOff val="40000"/>
+                  </a:schemeClr>
+                </a:solidFill>
+                <a:latin typeface="Courier New" panose="02070309020205020404" pitchFamily="49" charset="0"/>
+                <a:cs typeface="Courier New" panose="02070309020205020404" pitchFamily="49" charset="0"/>
+              </a:rPr>
+              <a:t>information</a:t>
+            </a:r>
+            <a:endParaRPr lang="de-DE" dirty="0">
+              <a:solidFill>
+                <a:schemeClr val="accent2">
+                  <a:lumMod val="60000"/>
+                  <a:lumOff val="40000"/>
+                </a:schemeClr>
+              </a:solidFill>
+              <a:latin typeface="Courier New" panose="02070309020205020404" pitchFamily="49" charset="0"/>
+              <a:cs typeface="Courier New" panose="02070309020205020404" pitchFamily="49" charset="0"/>
+            </a:endParaRPr>
+          </a:p>
+          <a:p>
+            <a:r>
+              <a:rPr lang="de-DE" dirty="0">
+                <a:solidFill>
+                  <a:schemeClr val="accent2">
+                    <a:lumMod val="60000"/>
+                    <a:lumOff val="40000"/>
+                  </a:schemeClr>
+                </a:solidFill>
+                <a:latin typeface="Courier New" panose="02070309020205020404" pitchFamily="49" charset="0"/>
+                <a:cs typeface="Courier New" panose="02070309020205020404" pitchFamily="49" charset="0"/>
+              </a:rPr>
+              <a:t>GET	/</a:t>
+            </a:r>
+            <a:r>
+              <a:rPr lang="de-DE" dirty="0" err="1">
+                <a:solidFill>
+                  <a:schemeClr val="accent2">
+                    <a:lumMod val="60000"/>
+                    <a:lumOff val="40000"/>
+                  </a:schemeClr>
+                </a:solidFill>
+                <a:latin typeface="Courier New" panose="02070309020205020404" pitchFamily="49" charset="0"/>
+                <a:cs typeface="Courier New" panose="02070309020205020404" pitchFamily="49" charset="0"/>
+              </a:rPr>
+              <a:t>documents</a:t>
+            </a:r>
+            <a:r>
+              <a:rPr lang="de-DE" dirty="0">
+                <a:solidFill>
+                  <a:schemeClr val="accent2">
+                    <a:lumMod val="60000"/>
+                    <a:lumOff val="40000"/>
+                  </a:schemeClr>
+                </a:solidFill>
+                <a:latin typeface="Courier New" panose="02070309020205020404" pitchFamily="49" charset="0"/>
+                <a:cs typeface="Courier New" panose="02070309020205020404" pitchFamily="49" charset="0"/>
+              </a:rPr>
+              <a:t>/{</a:t>
+            </a:r>
+            <a:r>
+              <a:rPr lang="de-DE" dirty="0" err="1">
+                <a:solidFill>
+                  <a:schemeClr val="accent2">
+                    <a:lumMod val="60000"/>
+                    <a:lumOff val="40000"/>
+                  </a:schemeClr>
+                </a:solidFill>
+                <a:latin typeface="Courier New" panose="02070309020205020404" pitchFamily="49" charset="0"/>
+                <a:cs typeface="Courier New" panose="02070309020205020404" pitchFamily="49" charset="0"/>
+              </a:rPr>
+              <a:t>id</a:t>
+            </a:r>
+            <a:r>
+              <a:rPr lang="de-DE" dirty="0" smtClean="0">
+                <a:solidFill>
+                  <a:schemeClr val="accent2">
+                    <a:lumMod val="60000"/>
+                    <a:lumOff val="40000"/>
+                  </a:schemeClr>
+                </a:solidFill>
+                <a:latin typeface="Courier New" panose="02070309020205020404" pitchFamily="49" charset="0"/>
+                <a:cs typeface="Courier New" panose="02070309020205020404" pitchFamily="49" charset="0"/>
+              </a:rPr>
+              <a:t>}/</a:t>
+            </a:r>
+            <a:r>
+              <a:rPr lang="de-DE" dirty="0" err="1" smtClean="0">
+                <a:solidFill>
+                  <a:schemeClr val="accent2">
+                    <a:lumMod val="60000"/>
+                    <a:lumOff val="40000"/>
+                  </a:schemeClr>
+                </a:solidFill>
+                <a:latin typeface="Courier New" panose="02070309020205020404" pitchFamily="49" charset="0"/>
+                <a:cs typeface="Courier New" panose="02070309020205020404" pitchFamily="49" charset="0"/>
+              </a:rPr>
+              <a:t>file</a:t>
+            </a:r>
+            <a:r>
+              <a:rPr lang="de-DE" dirty="0" smtClean="0">
+                <a:solidFill>
+                  <a:schemeClr val="accent2">
+                    <a:lumMod val="60000"/>
+                    <a:lumOff val="40000"/>
+                  </a:schemeClr>
+                </a:solidFill>
+                <a:latin typeface="Courier New" panose="02070309020205020404" pitchFamily="49" charset="0"/>
+                <a:cs typeface="Courier New" panose="02070309020205020404" pitchFamily="49" charset="0"/>
+              </a:rPr>
+              <a:t>			//</a:t>
+            </a:r>
+            <a:r>
+              <a:rPr lang="de-DE" dirty="0" err="1" smtClean="0">
+                <a:solidFill>
+                  <a:schemeClr val="accent2">
+                    <a:lumMod val="60000"/>
+                    <a:lumOff val="40000"/>
+                  </a:schemeClr>
+                </a:solidFill>
+                <a:latin typeface="Courier New" panose="02070309020205020404" pitchFamily="49" charset="0"/>
+                <a:cs typeface="Courier New" panose="02070309020205020404" pitchFamily="49" charset="0"/>
+              </a:rPr>
+              <a:t>download</a:t>
+            </a:r>
+            <a:r>
+              <a:rPr lang="de-DE" dirty="0" smtClean="0">
+                <a:solidFill>
+                  <a:schemeClr val="accent2">
+                    <a:lumMod val="60000"/>
+                    <a:lumOff val="40000"/>
+                  </a:schemeClr>
+                </a:solidFill>
+                <a:latin typeface="Courier New" panose="02070309020205020404" pitchFamily="49" charset="0"/>
+                <a:cs typeface="Courier New" panose="02070309020205020404" pitchFamily="49" charset="0"/>
+              </a:rPr>
               <a:t> </a:t>
             </a:r>
             <a:r>
-              <a:rPr lang="de-DE" dirty="0" err="1" smtClean="0"/>
-              <a:t>frequency</a:t>
-            </a:r>
-            <a:r>
-              <a:rPr lang="de-DE" dirty="0" smtClean="0"/>
-              <a:t>)</a:t>
-            </a:r>
-          </a:p>
-          <a:p>
-            <a:endParaRPr lang="de-DE" dirty="0" smtClean="0"/>
-          </a:p>
-          <a:p>
-            <a:endParaRPr lang="de-DE" dirty="0"/>
+              <a:rPr lang="de-DE" dirty="0" err="1" smtClean="0">
+                <a:solidFill>
+                  <a:schemeClr val="accent2">
+                    <a:lumMod val="60000"/>
+                    <a:lumOff val="40000"/>
+                  </a:schemeClr>
+                </a:solidFill>
+                <a:latin typeface="Courier New" panose="02070309020205020404" pitchFamily="49" charset="0"/>
+                <a:cs typeface="Courier New" panose="02070309020205020404" pitchFamily="49" charset="0"/>
+              </a:rPr>
+              <a:t>file</a:t>
+            </a:r>
+            <a:endParaRPr lang="de-DE" dirty="0">
+              <a:solidFill>
+                <a:schemeClr val="accent2">
+                  <a:lumMod val="60000"/>
+                  <a:lumOff val="40000"/>
+                </a:schemeClr>
+              </a:solidFill>
+              <a:latin typeface="Courier New" panose="02070309020205020404" pitchFamily="49" charset="0"/>
+              <a:cs typeface="Courier New" panose="02070309020205020404" pitchFamily="49" charset="0"/>
+            </a:endParaRPr>
+          </a:p>
+          <a:p>
+            <a:r>
+              <a:rPr lang="de-DE" dirty="0" smtClean="0">
+                <a:solidFill>
+                  <a:schemeClr val="accent2">
+                    <a:lumMod val="60000"/>
+                    <a:lumOff val="40000"/>
+                  </a:schemeClr>
+                </a:solidFill>
+                <a:latin typeface="Courier New" panose="02070309020205020404" pitchFamily="49" charset="0"/>
+                <a:cs typeface="Courier New" panose="02070309020205020404" pitchFamily="49" charset="0"/>
+              </a:rPr>
+              <a:t>DELETE</a:t>
+            </a:r>
+            <a:r>
+              <a:rPr lang="de-DE" dirty="0" smtClean="0">
+                <a:solidFill>
+                  <a:schemeClr val="accent2">
+                    <a:lumMod val="60000"/>
+                    <a:lumOff val="40000"/>
+                  </a:schemeClr>
+                </a:solidFill>
+                <a:latin typeface="Courier New" panose="02070309020205020404" pitchFamily="49" charset="0"/>
+                <a:cs typeface="Courier New" panose="02070309020205020404" pitchFamily="49" charset="0"/>
+              </a:rPr>
+              <a:t>	/</a:t>
+            </a:r>
+            <a:r>
+              <a:rPr lang="de-DE" dirty="0" err="1" smtClean="0">
+                <a:solidFill>
+                  <a:schemeClr val="accent2">
+                    <a:lumMod val="60000"/>
+                    <a:lumOff val="40000"/>
+                  </a:schemeClr>
+                </a:solidFill>
+                <a:latin typeface="Courier New" panose="02070309020205020404" pitchFamily="49" charset="0"/>
+                <a:cs typeface="Courier New" panose="02070309020205020404" pitchFamily="49" charset="0"/>
+              </a:rPr>
+              <a:t>documents</a:t>
+            </a:r>
+            <a:r>
+              <a:rPr lang="de-DE" dirty="0" smtClean="0">
+                <a:solidFill>
+                  <a:schemeClr val="accent2">
+                    <a:lumMod val="60000"/>
+                    <a:lumOff val="40000"/>
+                  </a:schemeClr>
+                </a:solidFill>
+                <a:latin typeface="Courier New" panose="02070309020205020404" pitchFamily="49" charset="0"/>
+                <a:cs typeface="Courier New" panose="02070309020205020404" pitchFamily="49" charset="0"/>
+              </a:rPr>
+              <a:t>/{</a:t>
+            </a:r>
+            <a:r>
+              <a:rPr lang="de-DE" dirty="0" err="1" smtClean="0">
+                <a:solidFill>
+                  <a:schemeClr val="accent2">
+                    <a:lumMod val="60000"/>
+                    <a:lumOff val="40000"/>
+                  </a:schemeClr>
+                </a:solidFill>
+                <a:latin typeface="Courier New" panose="02070309020205020404" pitchFamily="49" charset="0"/>
+                <a:cs typeface="Courier New" panose="02070309020205020404" pitchFamily="49" charset="0"/>
+              </a:rPr>
+              <a:t>id</a:t>
+            </a:r>
+            <a:r>
+              <a:rPr lang="de-DE" dirty="0" smtClean="0">
+                <a:solidFill>
+                  <a:schemeClr val="accent2">
+                    <a:lumMod val="60000"/>
+                    <a:lumOff val="40000"/>
+                  </a:schemeClr>
+                </a:solidFill>
+                <a:latin typeface="Courier New" panose="02070309020205020404" pitchFamily="49" charset="0"/>
+                <a:cs typeface="Courier New" panose="02070309020205020404" pitchFamily="49" charset="0"/>
+              </a:rPr>
+              <a:t>}</a:t>
+            </a:r>
+          </a:p>
+          <a:p>
+            <a:r>
+              <a:rPr lang="de-DE" dirty="0" smtClean="0">
+                <a:solidFill>
+                  <a:schemeClr val="accent2">
+                    <a:lumMod val="60000"/>
+                    <a:lumOff val="40000"/>
+                  </a:schemeClr>
+                </a:solidFill>
+                <a:latin typeface="Courier New" panose="02070309020205020404" pitchFamily="49" charset="0"/>
+                <a:cs typeface="Courier New" panose="02070309020205020404" pitchFamily="49" charset="0"/>
+              </a:rPr>
+              <a:t>POST	/</a:t>
+            </a:r>
+            <a:r>
+              <a:rPr lang="de-DE" dirty="0" err="1" smtClean="0">
+                <a:solidFill>
+                  <a:schemeClr val="accent2">
+                    <a:lumMod val="60000"/>
+                    <a:lumOff val="40000"/>
+                  </a:schemeClr>
+                </a:solidFill>
+                <a:latin typeface="Courier New" panose="02070309020205020404" pitchFamily="49" charset="0"/>
+                <a:cs typeface="Courier New" panose="02070309020205020404" pitchFamily="49" charset="0"/>
+              </a:rPr>
+              <a:t>documents</a:t>
+            </a:r>
+            <a:r>
+              <a:rPr lang="de-DE" dirty="0">
+                <a:solidFill>
+                  <a:schemeClr val="accent2">
+                    <a:lumMod val="60000"/>
+                    <a:lumOff val="40000"/>
+                  </a:schemeClr>
+                </a:solidFill>
+                <a:latin typeface="Courier New" panose="02070309020205020404" pitchFamily="49" charset="0"/>
+                <a:cs typeface="Courier New" panose="02070309020205020404" pitchFamily="49" charset="0"/>
+              </a:rPr>
+              <a:t>	</a:t>
+            </a:r>
+            <a:r>
+              <a:rPr lang="de-DE" dirty="0" smtClean="0">
+                <a:solidFill>
+                  <a:schemeClr val="accent2">
+                    <a:lumMod val="60000"/>
+                    <a:lumOff val="40000"/>
+                  </a:schemeClr>
+                </a:solidFill>
+                <a:latin typeface="Courier New" panose="02070309020205020404" pitchFamily="49" charset="0"/>
+                <a:cs typeface="Courier New" panose="02070309020205020404" pitchFamily="49" charset="0"/>
+              </a:rPr>
+              <a:t>		</a:t>
+            </a:r>
+            <a:r>
+              <a:rPr lang="de-DE" dirty="0" smtClean="0">
+                <a:solidFill>
+                  <a:schemeClr val="accent2">
+                    <a:lumMod val="60000"/>
+                    <a:lumOff val="40000"/>
+                  </a:schemeClr>
+                </a:solidFill>
+                <a:latin typeface="Courier New" panose="02070309020205020404" pitchFamily="49" charset="0"/>
+                <a:cs typeface="Courier New" panose="02070309020205020404" pitchFamily="49" charset="0"/>
+              </a:rPr>
+              <a:t>	</a:t>
+            </a:r>
+            <a:r>
+              <a:rPr lang="de-DE" dirty="0" smtClean="0">
+                <a:solidFill>
+                  <a:schemeClr val="accent2">
+                    <a:lumMod val="60000"/>
+                    <a:lumOff val="40000"/>
+                  </a:schemeClr>
+                </a:solidFill>
+                <a:latin typeface="Courier New" panose="02070309020205020404" pitchFamily="49" charset="0"/>
+                <a:cs typeface="Courier New" panose="02070309020205020404" pitchFamily="49" charset="0"/>
+              </a:rPr>
+              <a:t>//</a:t>
+            </a:r>
+            <a:r>
+              <a:rPr lang="de-DE" dirty="0" err="1" smtClean="0">
+                <a:solidFill>
+                  <a:schemeClr val="accent2">
+                    <a:lumMod val="60000"/>
+                    <a:lumOff val="40000"/>
+                  </a:schemeClr>
+                </a:solidFill>
+                <a:latin typeface="Courier New" panose="02070309020205020404" pitchFamily="49" charset="0"/>
+                <a:cs typeface="Courier New" panose="02070309020205020404" pitchFamily="49" charset="0"/>
+              </a:rPr>
+              <a:t>Document</a:t>
+            </a:r>
+            <a:r>
+              <a:rPr lang="de-DE" dirty="0" smtClean="0">
+                <a:solidFill>
+                  <a:schemeClr val="accent2">
+                    <a:lumMod val="60000"/>
+                    <a:lumOff val="40000"/>
+                  </a:schemeClr>
+                </a:solidFill>
+                <a:latin typeface="Courier New" panose="02070309020205020404" pitchFamily="49" charset="0"/>
+                <a:cs typeface="Courier New" panose="02070309020205020404" pitchFamily="49" charset="0"/>
+              </a:rPr>
+              <a:t> </a:t>
+            </a:r>
+            <a:r>
+              <a:rPr lang="de-DE" dirty="0" smtClean="0">
+                <a:solidFill>
+                  <a:schemeClr val="accent2">
+                    <a:lumMod val="60000"/>
+                    <a:lumOff val="40000"/>
+                  </a:schemeClr>
+                </a:solidFill>
+                <a:latin typeface="Courier New" panose="02070309020205020404" pitchFamily="49" charset="0"/>
+                <a:cs typeface="Courier New" panose="02070309020205020404" pitchFamily="49" charset="0"/>
+              </a:rPr>
+              <a:t>als JSON im </a:t>
+            </a:r>
+            <a:r>
+              <a:rPr lang="de-DE" dirty="0" smtClean="0">
+                <a:solidFill>
+                  <a:schemeClr val="accent2">
+                    <a:lumMod val="60000"/>
+                    <a:lumOff val="40000"/>
+                  </a:schemeClr>
+                </a:solidFill>
+                <a:latin typeface="Courier New" panose="02070309020205020404" pitchFamily="49" charset="0"/>
+                <a:cs typeface="Courier New" panose="02070309020205020404" pitchFamily="49" charset="0"/>
+              </a:rPr>
+              <a:t>Body</a:t>
+            </a:r>
+            <a:endParaRPr lang="de-DE" dirty="0" smtClean="0">
+              <a:solidFill>
+                <a:schemeClr val="accent2">
+                  <a:lumMod val="60000"/>
+                  <a:lumOff val="40000"/>
+                </a:schemeClr>
+              </a:solidFill>
+              <a:latin typeface="Courier New" panose="02070309020205020404" pitchFamily="49" charset="0"/>
+              <a:cs typeface="Courier New" panose="02070309020205020404" pitchFamily="49" charset="0"/>
+            </a:endParaRPr>
+          </a:p>
+          <a:p>
+            <a:endParaRPr lang="de-DE" dirty="0" smtClean="0">
+              <a:solidFill>
+                <a:schemeClr val="accent2">
+                  <a:lumMod val="60000"/>
+                  <a:lumOff val="40000"/>
+                </a:schemeClr>
+              </a:solidFill>
+              <a:latin typeface="Courier New" panose="02070309020205020404" pitchFamily="49" charset="0"/>
+              <a:cs typeface="Courier New" panose="02070309020205020404" pitchFamily="49" charset="0"/>
+            </a:endParaRPr>
+          </a:p>
+          <a:p>
+            <a:endParaRPr lang="de-DE" dirty="0" smtClean="0">
+              <a:solidFill>
+                <a:schemeClr val="accent2">
+                  <a:lumMod val="60000"/>
+                  <a:lumOff val="40000"/>
+                </a:schemeClr>
+              </a:solidFill>
+              <a:latin typeface="Courier New" panose="02070309020205020404" pitchFamily="49" charset="0"/>
+              <a:cs typeface="Courier New" panose="02070309020205020404" pitchFamily="49" charset="0"/>
+            </a:endParaRPr>
+          </a:p>
+          <a:p>
+            <a:endParaRPr lang="de-DE" dirty="0" smtClean="0">
+              <a:solidFill>
+                <a:schemeClr val="accent2">
+                  <a:lumMod val="60000"/>
+                  <a:lumOff val="40000"/>
+                </a:schemeClr>
+              </a:solidFill>
+              <a:latin typeface="Courier New" panose="02070309020205020404" pitchFamily="49" charset="0"/>
+              <a:cs typeface="Courier New" panose="02070309020205020404" pitchFamily="49" charset="0"/>
+            </a:endParaRPr>
+          </a:p>
+          <a:p>
+            <a:endParaRPr lang="de-DE" dirty="0">
+              <a:solidFill>
+                <a:schemeClr val="accent2">
+                  <a:lumMod val="60000"/>
+                  <a:lumOff val="40000"/>
+                </a:schemeClr>
+              </a:solidFill>
+              <a:latin typeface="Courier New" panose="02070309020205020404" pitchFamily="49" charset="0"/>
+              <a:cs typeface="Courier New" panose="02070309020205020404" pitchFamily="49" charset="0"/>
+            </a:endParaRPr>
           </a:p>
         </p:txBody>
       </p:sp>
@@ -5455,7 +5724,7 @@
     </p:spTree>
     <p:extLst>
       <p:ext uri="{BB962C8B-B14F-4D97-AF65-F5344CB8AC3E}">
-        <p14:creationId xmlns:p14="http://schemas.microsoft.com/office/powerpoint/2010/main" val="2531948028"/>
+        <p14:creationId xmlns:p14="http://schemas.microsoft.com/office/powerpoint/2010/main" val="4099422022"/>
       </p:ext>
     </p:extLst>
   </p:cSld>
@@ -5500,7 +5769,7 @@
           <a:p>
             <a:r>
               <a:rPr lang="de-DE" dirty="0" smtClean="0"/>
-              <a:t>Fine-Tuning der Suche</a:t>
+              <a:t>Probleme</a:t>
             </a:r>
             <a:endParaRPr lang="de-DE" dirty="0"/>
           </a:p>
@@ -5520,20 +5789,6 @@
         <p:txBody>
           <a:bodyPr/>
           <a:lstStyle/>
-          <a:p>
-            <a:r>
-              <a:rPr lang="de-DE" dirty="0" smtClean="0"/>
-              <a:t>Field-</a:t>
-            </a:r>
-            <a:r>
-              <a:rPr lang="de-DE" dirty="0" err="1" smtClean="0"/>
-              <a:t>length</a:t>
-            </a:r>
-            <a:r>
-              <a:rPr lang="de-DE" dirty="0" smtClean="0"/>
-              <a:t> norm führt zu falschen Suchergebnissen:</a:t>
-            </a:r>
-          </a:p>
           <a:p>
             <a:pPr marL="285750" indent="-285750">
               <a:buFont typeface="Arial" panose="020B0604020202020204" pitchFamily="34" charset="0"/>
@@ -5541,12 +5796,11 @@
             </a:pPr>
             <a:r>
               <a:rPr lang="de-DE" dirty="0" smtClean="0"/>
-              <a:t>Deaktivieren der </a:t>
-            </a:r>
-            <a:r>
-              <a:rPr lang="de-DE" dirty="0" err="1" smtClean="0"/>
-              <a:t>norms</a:t>
-            </a:r>
+              <a:t>Reihenfolge der Suchergebnisse</a:t>
+            </a:r>
+            <a:endParaRPr lang="de-DE" dirty="0"/>
+          </a:p>
+          <a:p>
             <a:endParaRPr lang="de-DE" dirty="0" smtClean="0"/>
           </a:p>
           <a:p>
@@ -5554,88 +5808,17 @@
               <a:buFont typeface="Arial" panose="020B0604020202020204" pitchFamily="34" charset="0"/>
               <a:buChar char="•"/>
             </a:pPr>
-            <a:endParaRPr lang="de-DE" dirty="0"/>
-          </a:p>
-          <a:p>
-            <a:pPr marL="285750" indent="-285750">
-              <a:buFont typeface="Arial" panose="020B0604020202020204" pitchFamily="34" charset="0"/>
-              <a:buChar char="•"/>
-            </a:pPr>
-            <a:endParaRPr lang="de-DE" dirty="0" smtClean="0"/>
-          </a:p>
-          <a:p>
-            <a:r>
-              <a:rPr lang="de-DE" dirty="0" smtClean="0"/>
-              <a:t>Inverse </a:t>
-            </a:r>
-            <a:r>
-              <a:rPr lang="de-DE" dirty="0" err="1" smtClean="0"/>
-              <a:t>document</a:t>
-            </a:r>
-            <a:r>
-              <a:rPr lang="de-DE" dirty="0" smtClean="0"/>
-              <a:t> </a:t>
-            </a:r>
-            <a:r>
-              <a:rPr lang="de-DE" dirty="0" err="1" smtClean="0"/>
-              <a:t>frequency</a:t>
-            </a:r>
-            <a:r>
-              <a:rPr lang="de-DE" dirty="0" smtClean="0"/>
-              <a:t> führt zu falschen Suchergebnissen:</a:t>
-            </a:r>
-          </a:p>
-          <a:p>
-            <a:pPr marL="285750" indent="-285750">
-              <a:buFont typeface="Arial" panose="020B0604020202020204" pitchFamily="34" charset="0"/>
-              <a:buChar char="•"/>
-            </a:pPr>
-            <a:r>
-              <a:rPr lang="de-DE" dirty="0" smtClean="0"/>
-              <a:t>Index auf ein </a:t>
-            </a:r>
-            <a:r>
-              <a:rPr lang="de-DE" dirty="0" err="1" smtClean="0"/>
-              <a:t>Shard</a:t>
-            </a:r>
-            <a:r>
-              <a:rPr lang="de-DE" dirty="0" smtClean="0"/>
-              <a:t> begrenzen</a:t>
-            </a:r>
-          </a:p>
-          <a:p>
-            <a:pPr marL="285750" indent="-285750">
-              <a:buFont typeface="Arial" panose="020B0604020202020204" pitchFamily="34" charset="0"/>
-              <a:buChar char="•"/>
-            </a:pPr>
-            <a:r>
-              <a:rPr lang="de-DE" dirty="0" smtClean="0"/>
-              <a:t>Globale Inverse </a:t>
-            </a:r>
-            <a:r>
-              <a:rPr lang="de-DE" dirty="0" err="1" smtClean="0"/>
-              <a:t>document</a:t>
-            </a:r>
-            <a:r>
-              <a:rPr lang="de-DE" dirty="0" smtClean="0"/>
-              <a:t> </a:t>
-            </a:r>
-            <a:r>
-              <a:rPr lang="de-DE" dirty="0" err="1" smtClean="0"/>
-              <a:t>frequency</a:t>
-            </a:r>
-            <a:r>
-              <a:rPr lang="de-DE" dirty="0" smtClean="0"/>
-              <a:t> aktivieren</a:t>
-            </a:r>
-            <a:endParaRPr lang="de-DE" dirty="0" smtClean="0"/>
-          </a:p>
-          <a:p>
-            <a:pPr marL="285750" indent="-285750">
-              <a:buFont typeface="Arial" panose="020B0604020202020204" pitchFamily="34" charset="0"/>
-              <a:buChar char="•"/>
-            </a:pPr>
-            <a:endParaRPr lang="de-DE" dirty="0"/>
+            <a:r>
+              <a:rPr lang="de-DE" dirty="0" smtClean="0"/>
+              <a:t>Dateiübertragung</a:t>
+            </a:r>
+          </a:p>
+          <a:p>
+            <a:pPr marL="468313" lvl="1" indent="-285750"/>
+            <a:r>
+              <a:rPr lang="de-DE" dirty="0" smtClean="0"/>
+              <a:t>Wie soll eine Datei übertragen werden?</a:t>
+            </a:r>
           </a:p>
         </p:txBody>
       </p:sp>
@@ -5712,7 +5895,7 @@
     </p:spTree>
     <p:extLst>
       <p:ext uri="{BB962C8B-B14F-4D97-AF65-F5344CB8AC3E}">
-        <p14:creationId xmlns:p14="http://schemas.microsoft.com/office/powerpoint/2010/main" val="4008201159"/>
+        <p14:creationId xmlns:p14="http://schemas.microsoft.com/office/powerpoint/2010/main" val="72226792"/>
       </p:ext>
     </p:extLst>
   </p:cSld>
@@ -5757,7 +5940,7 @@
           <a:p>
             <a:r>
               <a:rPr lang="de-DE" dirty="0" smtClean="0"/>
-              <a:t>Frontend</a:t>
+              <a:t>Fine-Tuning der Suche</a:t>
             </a:r>
             <a:endParaRPr lang="de-DE" dirty="0"/>
           </a:p>
@@ -5783,23 +5966,16 @@
               <a:buChar char="•"/>
             </a:pPr>
             <a:r>
-              <a:rPr lang="de-DE" dirty="0" err="1" smtClean="0"/>
-              <a:t>AngularJS</a:t>
-            </a:r>
-            <a:endParaRPr lang="de-DE" dirty="0" smtClean="0"/>
-          </a:p>
-          <a:p>
-            <a:pPr marL="468313" lvl="1" indent="-285750"/>
-            <a:r>
-              <a:rPr lang="de-DE" dirty="0" smtClean="0"/>
-              <a:t>Controller</a:t>
-            </a:r>
-          </a:p>
-          <a:p>
-            <a:pPr marL="468313" lvl="1" indent="-285750"/>
-            <a:r>
-              <a:rPr lang="de-DE" dirty="0" smtClean="0"/>
-              <a:t>Services</a:t>
+              <a:rPr lang="de-DE" dirty="0" smtClean="0"/>
+              <a:t>Score ist für die </a:t>
+            </a:r>
+            <a:r>
+              <a:rPr lang="de-DE" dirty="0"/>
+              <a:t>S</a:t>
+            </a:r>
+            <a:r>
+              <a:rPr lang="de-DE" dirty="0" smtClean="0"/>
+              <a:t>ortierung zuständig</a:t>
             </a:r>
           </a:p>
           <a:p>
@@ -5809,11 +5985,90 @@
             </a:pPr>
             <a:r>
               <a:rPr lang="de-DE" dirty="0" smtClean="0"/>
-              <a:t>Bootstrap</a:t>
+              <a:t>Der Score wird aus drei Teilen Berechnet</a:t>
             </a:r>
           </a:p>
           <a:p>
             <a:pPr marL="468313" lvl="1" indent="-285750"/>
+            <a:r>
+              <a:rPr lang="de-DE" dirty="0" smtClean="0"/>
+              <a:t>Häufigkeit des Suchbegriffs im Dokument (</a:t>
+            </a:r>
+            <a:r>
+              <a:rPr lang="de-DE" dirty="0"/>
+              <a:t>Term </a:t>
+            </a:r>
+            <a:r>
+              <a:rPr lang="de-DE" dirty="0" err="1"/>
+              <a:t>frequency</a:t>
+            </a:r>
+            <a:r>
+              <a:rPr lang="de-DE" dirty="0" smtClean="0"/>
+              <a:t>)</a:t>
+            </a:r>
+          </a:p>
+          <a:p>
+            <a:pPr marL="468313" lvl="1" indent="-285750"/>
+            <a:r>
+              <a:rPr lang="de-DE" dirty="0" smtClean="0"/>
+              <a:t>Textlänge des Dokuments (</a:t>
+            </a:r>
+            <a:r>
+              <a:rPr lang="de-DE" dirty="0"/>
+              <a:t>Field-</a:t>
+            </a:r>
+            <a:r>
+              <a:rPr lang="de-DE" dirty="0" err="1"/>
+              <a:t>length</a:t>
+            </a:r>
+            <a:r>
+              <a:rPr lang="de-DE" dirty="0"/>
+              <a:t> </a:t>
+            </a:r>
+            <a:r>
+              <a:rPr lang="de-DE" dirty="0" smtClean="0"/>
+              <a:t>norm)</a:t>
+            </a:r>
+          </a:p>
+          <a:p>
+            <a:pPr marL="468313" lvl="1" indent="-285750"/>
+            <a:r>
+              <a:rPr lang="de-DE" dirty="0" smtClean="0"/>
+              <a:t>Häufigkeit des Suchbegriffs in anderen Dokumenten auf diesem </a:t>
+            </a:r>
+            <a:r>
+              <a:rPr lang="de-DE" dirty="0" err="1" smtClean="0"/>
+              <a:t>Shard</a:t>
+            </a:r>
+            <a:r>
+              <a:rPr lang="de-DE" dirty="0" smtClean="0"/>
+              <a:t> vor (</a:t>
+            </a:r>
+            <a:r>
+              <a:rPr lang="de-DE" dirty="0"/>
+              <a:t>Inverse </a:t>
+            </a:r>
+            <a:r>
+              <a:rPr lang="de-DE" dirty="0" err="1"/>
+              <a:t>document</a:t>
+            </a:r>
+            <a:r>
+              <a:rPr lang="de-DE" dirty="0"/>
+              <a:t> </a:t>
+            </a:r>
+            <a:r>
+              <a:rPr lang="de-DE" dirty="0" err="1" smtClean="0"/>
+              <a:t>frequency</a:t>
+            </a:r>
+            <a:r>
+              <a:rPr lang="de-DE" dirty="0" smtClean="0"/>
+              <a:t>)</a:t>
+            </a:r>
+          </a:p>
+          <a:p>
+            <a:endParaRPr lang="de-DE" dirty="0" smtClean="0"/>
+          </a:p>
+          <a:p>
             <a:endParaRPr lang="de-DE" dirty="0"/>
           </a:p>
         </p:txBody>
@@ -5899,7 +6154,7 @@
     </p:spTree>
     <p:extLst>
       <p:ext uri="{BB962C8B-B14F-4D97-AF65-F5344CB8AC3E}">
-        <p14:creationId xmlns:p14="http://schemas.microsoft.com/office/powerpoint/2010/main" val="698948120"/>
+        <p14:creationId xmlns:p14="http://schemas.microsoft.com/office/powerpoint/2010/main" val="2531948028"/>
       </p:ext>
     </p:extLst>
   </p:cSld>
@@ -5944,6 +6199,432 @@
           <a:p>
             <a:r>
               <a:rPr lang="de-DE" dirty="0" smtClean="0"/>
+              <a:t>Fine-Tuning der Suche</a:t>
+            </a:r>
+            <a:endParaRPr lang="de-DE" dirty="0"/>
+          </a:p>
+        </p:txBody>
+      </p:sp>
+      <p:sp>
+        <p:nvSpPr>
+          <p:cNvPr id="3" name="Inhaltsplatzhalter 2"/>
+          <p:cNvSpPr>
+            <a:spLocks noGrp="1"/>
+          </p:cNvSpPr>
+          <p:nvPr>
+            <p:ph idx="1"/>
+          </p:nvPr>
+        </p:nvSpPr>
+        <p:spPr/>
+        <p:txBody>
+          <a:bodyPr/>
+          <a:lstStyle/>
+          <a:p>
+            <a:r>
+              <a:rPr lang="de-DE" dirty="0" smtClean="0"/>
+              <a:t>Field-</a:t>
+            </a:r>
+            <a:r>
+              <a:rPr lang="de-DE" dirty="0" err="1" smtClean="0"/>
+              <a:t>length</a:t>
+            </a:r>
+            <a:r>
+              <a:rPr lang="de-DE" dirty="0" smtClean="0"/>
+              <a:t> norm führt zu falschen Suchergebnissen:</a:t>
+            </a:r>
+          </a:p>
+          <a:p>
+            <a:pPr marL="285750" indent="-285750">
+              <a:buFont typeface="Arial" panose="020B0604020202020204" pitchFamily="34" charset="0"/>
+              <a:buChar char="•"/>
+            </a:pPr>
+            <a:r>
+              <a:rPr lang="de-DE" dirty="0" smtClean="0"/>
+              <a:t>Deaktivieren der </a:t>
+            </a:r>
+            <a:r>
+              <a:rPr lang="de-DE" dirty="0" err="1" smtClean="0"/>
+              <a:t>norms</a:t>
+            </a:r>
+            <a:endParaRPr lang="de-DE" dirty="0" smtClean="0"/>
+          </a:p>
+          <a:p>
+            <a:pPr marL="285750" indent="-285750">
+              <a:buFont typeface="Arial" panose="020B0604020202020204" pitchFamily="34" charset="0"/>
+              <a:buChar char="•"/>
+            </a:pPr>
+            <a:endParaRPr lang="de-DE" dirty="0"/>
+          </a:p>
+          <a:p>
+            <a:pPr marL="285750" indent="-285750">
+              <a:buFont typeface="Arial" panose="020B0604020202020204" pitchFamily="34" charset="0"/>
+              <a:buChar char="•"/>
+            </a:pPr>
+            <a:endParaRPr lang="de-DE" dirty="0" smtClean="0"/>
+          </a:p>
+          <a:p>
+            <a:r>
+              <a:rPr lang="de-DE" dirty="0" smtClean="0"/>
+              <a:t>Inverse </a:t>
+            </a:r>
+            <a:r>
+              <a:rPr lang="de-DE" dirty="0" err="1" smtClean="0"/>
+              <a:t>document</a:t>
+            </a:r>
+            <a:r>
+              <a:rPr lang="de-DE" dirty="0" smtClean="0"/>
+              <a:t> </a:t>
+            </a:r>
+            <a:r>
+              <a:rPr lang="de-DE" dirty="0" err="1" smtClean="0"/>
+              <a:t>frequency</a:t>
+            </a:r>
+            <a:r>
+              <a:rPr lang="de-DE" dirty="0" smtClean="0"/>
+              <a:t> führt zu falschen Suchergebnissen:</a:t>
+            </a:r>
+          </a:p>
+          <a:p>
+            <a:pPr marL="285750" indent="-285750">
+              <a:buFont typeface="Arial" panose="020B0604020202020204" pitchFamily="34" charset="0"/>
+              <a:buChar char="•"/>
+            </a:pPr>
+            <a:r>
+              <a:rPr lang="de-DE" dirty="0" smtClean="0"/>
+              <a:t>Index auf ein </a:t>
+            </a:r>
+            <a:r>
+              <a:rPr lang="de-DE" dirty="0" err="1" smtClean="0"/>
+              <a:t>Shard</a:t>
+            </a:r>
+            <a:r>
+              <a:rPr lang="de-DE" dirty="0" smtClean="0"/>
+              <a:t> begrenzen</a:t>
+            </a:r>
+          </a:p>
+          <a:p>
+            <a:pPr marL="285750" indent="-285750">
+              <a:buFont typeface="Arial" panose="020B0604020202020204" pitchFamily="34" charset="0"/>
+              <a:buChar char="•"/>
+            </a:pPr>
+            <a:r>
+              <a:rPr lang="de-DE" dirty="0" smtClean="0"/>
+              <a:t>Globale Inverse </a:t>
+            </a:r>
+            <a:r>
+              <a:rPr lang="de-DE" dirty="0" err="1" smtClean="0"/>
+              <a:t>document</a:t>
+            </a:r>
+            <a:r>
+              <a:rPr lang="de-DE" dirty="0" smtClean="0"/>
+              <a:t> </a:t>
+            </a:r>
+            <a:r>
+              <a:rPr lang="de-DE" dirty="0" err="1" smtClean="0"/>
+              <a:t>frequency</a:t>
+            </a:r>
+            <a:r>
+              <a:rPr lang="de-DE" dirty="0" smtClean="0"/>
+              <a:t> aktivieren</a:t>
+            </a:r>
+          </a:p>
+          <a:p>
+            <a:pPr marL="285750" indent="-285750">
+              <a:buFont typeface="Arial" panose="020B0604020202020204" pitchFamily="34" charset="0"/>
+              <a:buChar char="•"/>
+            </a:pPr>
+            <a:endParaRPr lang="de-DE" dirty="0"/>
+          </a:p>
+        </p:txBody>
+      </p:sp>
+      <p:sp>
+        <p:nvSpPr>
+          <p:cNvPr id="4" name="Fußzeilenplatzhalter 3"/>
+          <p:cNvSpPr>
+            <a:spLocks noGrp="1"/>
+          </p:cNvSpPr>
+          <p:nvPr>
+            <p:ph type="ftr" sz="quarter" idx="10"/>
+          </p:nvPr>
+        </p:nvSpPr>
+        <p:spPr/>
+        <p:txBody>
+          <a:bodyPr/>
+          <a:lstStyle/>
+          <a:p>
+            <a:r>
+              <a:rPr lang="de-DE" smtClean="0"/>
+              <a:t>Dokumentenanalyse mit ElasticSearch | NoSql WS2015 | Stefan Beigel und Kevin Edinger</a:t>
+            </a:r>
+            <a:endParaRPr lang="de-DE" dirty="0"/>
+          </a:p>
+        </p:txBody>
+      </p:sp>
+      <p:sp>
+        <p:nvSpPr>
+          <p:cNvPr id="5" name="Datumsplatzhalter 4"/>
+          <p:cNvSpPr>
+            <a:spLocks noGrp="1"/>
+          </p:cNvSpPr>
+          <p:nvPr>
+            <p:ph type="dt" sz="half" idx="11"/>
+          </p:nvPr>
+        </p:nvSpPr>
+        <p:spPr/>
+        <p:txBody>
+          <a:bodyPr/>
+          <a:lstStyle/>
+          <a:p>
+            <a:r>
+              <a:rPr lang="de-DE" smtClean="0"/>
+              <a:t>05.01.2016</a:t>
+            </a:r>
+            <a:endParaRPr lang="de-DE"/>
+          </a:p>
+        </p:txBody>
+      </p:sp>
+      <p:sp>
+        <p:nvSpPr>
+          <p:cNvPr id="6" name="Foliennummernplatzhalter 5"/>
+          <p:cNvSpPr>
+            <a:spLocks noGrp="1"/>
+          </p:cNvSpPr>
+          <p:nvPr>
+            <p:ph type="sldNum" sz="quarter" idx="4"/>
+          </p:nvPr>
+        </p:nvSpPr>
+        <p:spPr/>
+        <p:txBody>
+          <a:bodyPr/>
+          <a:lstStyle/>
+          <a:p>
+            <a:fld id="{7BD7D46A-08E7-4CF2-9C2F-009C5215CC47}" type="slidenum">
+              <a:rPr lang="de-DE" smtClean="0"/>
+              <a:pPr/>
+              <a:t>7</a:t>
+            </a:fld>
+            <a:endParaRPr lang="de-DE" dirty="0"/>
+          </a:p>
+        </p:txBody>
+      </p:sp>
+    </p:spTree>
+    <p:extLst>
+      <p:ext uri="{BB962C8B-B14F-4D97-AF65-F5344CB8AC3E}">
+        <p14:creationId xmlns:p14="http://schemas.microsoft.com/office/powerpoint/2010/main" val="4008201159"/>
+      </p:ext>
+    </p:extLst>
+  </p:cSld>
+  <p:clrMapOvr>
+    <a:masterClrMapping/>
+  </p:clrMapOvr>
+  <p:transition/>
+</p:sld>
+</file>
+
+<file path=ppt/slides/slide8.xml><?xml version="1.0" encoding="utf-8"?>
+<p:sld xmlns:a="http://schemas.openxmlformats.org/drawingml/2006/main" xmlns:r="http://schemas.openxmlformats.org/officeDocument/2006/relationships" xmlns:p="http://schemas.openxmlformats.org/presentationml/2006/main">
+  <p:cSld>
+    <p:spTree>
+      <p:nvGrpSpPr>
+        <p:cNvPr id="1" name=""/>
+        <p:cNvGrpSpPr/>
+        <p:nvPr/>
+      </p:nvGrpSpPr>
+      <p:grpSpPr>
+        <a:xfrm>
+          <a:off x="0" y="0"/>
+          <a:ext cx="0" cy="0"/>
+          <a:chOff x="0" y="0"/>
+          <a:chExt cx="0" cy="0"/>
+        </a:xfrm>
+      </p:grpSpPr>
+      <p:sp>
+        <p:nvSpPr>
+          <p:cNvPr id="2" name="Titel 1"/>
+          <p:cNvSpPr>
+            <a:spLocks noGrp="1"/>
+          </p:cNvSpPr>
+          <p:nvPr>
+            <p:ph type="title"/>
+          </p:nvPr>
+        </p:nvSpPr>
+        <p:spPr/>
+        <p:txBody>
+          <a:bodyPr/>
+          <a:lstStyle/>
+          <a:p>
+            <a:r>
+              <a:rPr lang="de-DE" dirty="0" smtClean="0"/>
+              <a:t>Dateiübertragung</a:t>
+            </a:r>
+            <a:endParaRPr lang="de-DE" dirty="0"/>
+          </a:p>
+        </p:txBody>
+      </p:sp>
+      <p:sp>
+        <p:nvSpPr>
+          <p:cNvPr id="3" name="Inhaltsplatzhalter 2"/>
+          <p:cNvSpPr>
+            <a:spLocks noGrp="1"/>
+          </p:cNvSpPr>
+          <p:nvPr>
+            <p:ph idx="1"/>
+          </p:nvPr>
+        </p:nvSpPr>
+        <p:spPr/>
+        <p:txBody>
+          <a:bodyPr/>
+          <a:lstStyle/>
+          <a:p>
+            <a:pPr marL="285750" indent="-285750">
+              <a:buFont typeface="Arial" panose="020B0604020202020204" pitchFamily="34" charset="0"/>
+              <a:buChar char="•"/>
+            </a:pPr>
+            <a:r>
+              <a:rPr lang="de-DE" dirty="0" smtClean="0"/>
+              <a:t>Base64 Kodierung der Datei auf der Client Seite</a:t>
+            </a:r>
+          </a:p>
+          <a:p>
+            <a:pPr marL="285750" indent="-285750">
+              <a:buFont typeface="Arial" panose="020B0604020202020204" pitchFamily="34" charset="0"/>
+              <a:buChar char="•"/>
+            </a:pPr>
+            <a:r>
+              <a:rPr lang="de-DE" dirty="0" smtClean="0"/>
+              <a:t>POST der Datei mittel JSON</a:t>
+            </a:r>
+          </a:p>
+          <a:p>
+            <a:pPr marL="285750" indent="-285750">
+              <a:buFont typeface="Arial" panose="020B0604020202020204" pitchFamily="34" charset="0"/>
+              <a:buChar char="•"/>
+            </a:pPr>
+            <a:r>
+              <a:rPr lang="de-DE" dirty="0" smtClean="0"/>
+              <a:t>Dekodieren der Datei auf der Serverseite</a:t>
+            </a:r>
+          </a:p>
+        </p:txBody>
+      </p:sp>
+      <p:sp>
+        <p:nvSpPr>
+          <p:cNvPr id="4" name="Fußzeilenplatzhalter 3"/>
+          <p:cNvSpPr>
+            <a:spLocks noGrp="1"/>
+          </p:cNvSpPr>
+          <p:nvPr>
+            <p:ph type="ftr" sz="quarter" idx="10"/>
+          </p:nvPr>
+        </p:nvSpPr>
+        <p:spPr/>
+        <p:txBody>
+          <a:bodyPr/>
+          <a:lstStyle/>
+          <a:p>
+            <a:r>
+              <a:rPr lang="de-DE" smtClean="0"/>
+              <a:t>Dokumentenanalyse mit ElasticSearch | NoSql WS2015 | Stefan Beigel und Kevin Edinger</a:t>
+            </a:r>
+            <a:endParaRPr lang="de-DE" dirty="0"/>
+          </a:p>
+        </p:txBody>
+      </p:sp>
+      <p:sp>
+        <p:nvSpPr>
+          <p:cNvPr id="5" name="Datumsplatzhalter 4"/>
+          <p:cNvSpPr>
+            <a:spLocks noGrp="1"/>
+          </p:cNvSpPr>
+          <p:nvPr>
+            <p:ph type="dt" sz="half" idx="11"/>
+          </p:nvPr>
+        </p:nvSpPr>
+        <p:spPr/>
+        <p:txBody>
+          <a:bodyPr/>
+          <a:lstStyle/>
+          <a:p>
+            <a:r>
+              <a:rPr lang="de-DE" smtClean="0"/>
+              <a:t>05.01.2016</a:t>
+            </a:r>
+            <a:endParaRPr lang="de-DE"/>
+          </a:p>
+        </p:txBody>
+      </p:sp>
+      <p:sp>
+        <p:nvSpPr>
+          <p:cNvPr id="6" name="Foliennummernplatzhalter 5"/>
+          <p:cNvSpPr>
+            <a:spLocks noGrp="1"/>
+          </p:cNvSpPr>
+          <p:nvPr>
+            <p:ph type="sldNum" sz="quarter" idx="4"/>
+          </p:nvPr>
+        </p:nvSpPr>
+        <p:spPr/>
+        <p:txBody>
+          <a:bodyPr/>
+          <a:lstStyle/>
+          <a:p>
+            <a:fld id="{7BD7D46A-08E7-4CF2-9C2F-009C5215CC47}" type="slidenum">
+              <a:rPr lang="de-DE" smtClean="0"/>
+              <a:pPr/>
+              <a:t>8</a:t>
+            </a:fld>
+            <a:endParaRPr lang="de-DE" dirty="0"/>
+          </a:p>
+        </p:txBody>
+      </p:sp>
+    </p:spTree>
+    <p:extLst>
+      <p:ext uri="{BB962C8B-B14F-4D97-AF65-F5344CB8AC3E}">
+        <p14:creationId xmlns:p14="http://schemas.microsoft.com/office/powerpoint/2010/main" val="825080103"/>
+      </p:ext>
+    </p:extLst>
+  </p:cSld>
+  <p:clrMapOvr>
+    <a:masterClrMapping/>
+  </p:clrMapOvr>
+  <p:transition/>
+</p:sld>
+</file>
+
+<file path=ppt/slides/slide9.xml><?xml version="1.0" encoding="utf-8"?>
+<p:sld xmlns:a="http://schemas.openxmlformats.org/drawingml/2006/main" xmlns:r="http://schemas.openxmlformats.org/officeDocument/2006/relationships" xmlns:p="http://schemas.openxmlformats.org/presentationml/2006/main">
+  <p:cSld>
+    <p:spTree>
+      <p:nvGrpSpPr>
+        <p:cNvPr id="1" name=""/>
+        <p:cNvGrpSpPr/>
+        <p:nvPr/>
+      </p:nvGrpSpPr>
+      <p:grpSpPr>
+        <a:xfrm>
+          <a:off x="0" y="0"/>
+          <a:ext cx="0" cy="0"/>
+          <a:chOff x="0" y="0"/>
+          <a:chExt cx="0" cy="0"/>
+        </a:xfrm>
+      </p:grpSpPr>
+      <p:sp>
+        <p:nvSpPr>
+          <p:cNvPr id="2" name="Titel 1"/>
+          <p:cNvSpPr>
+            <a:spLocks noGrp="1"/>
+          </p:cNvSpPr>
+          <p:nvPr>
+            <p:ph type="title"/>
+          </p:nvPr>
+        </p:nvSpPr>
+        <p:spPr/>
+        <p:txBody>
+          <a:bodyPr/>
+          <a:lstStyle/>
+          <a:p>
+            <a:r>
+              <a:rPr lang="de-DE" dirty="0" smtClean="0"/>
               <a:t>Live Demo</a:t>
             </a:r>
             <a:endParaRPr lang="de-DE" dirty="0"/>
@@ -6022,7 +6703,7 @@
             <a:fld id="{7BD7D46A-08E7-4CF2-9C2F-009C5215CC47}" type="slidenum">
               <a:rPr lang="de-DE" smtClean="0"/>
               <a:pPr/>
-              <a:t>7</a:t>
+              <a:t>9</a:t>
             </a:fld>
             <a:endParaRPr lang="de-DE" dirty="0"/>
           </a:p>

--- a/presentation.pptx
+++ b/presentation.pptx
@@ -5,7 +5,7 @@
     <p:sldMasterId id="2147483660" r:id="rId1"/>
   </p:sldMasterIdLst>
   <p:notesMasterIdLst>
-    <p:notesMasterId r:id="rId11"/>
+    <p:notesMasterId r:id="rId12"/>
   </p:notesMasterIdLst>
   <p:sldIdLst>
     <p:sldId id="256" r:id="rId2"/>
@@ -17,6 +17,7 @@
     <p:sldId id="262" r:id="rId8"/>
     <p:sldId id="264" r:id="rId9"/>
     <p:sldId id="261" r:id="rId10"/>
+    <p:sldId id="265" r:id="rId11"/>
   </p:sldIdLst>
   <p:sldSz cx="12192000" cy="6858000"/>
   <p:notesSz cx="6858000" cy="9144000"/>
@@ -205,7 +206,7 @@
           <a:p>
             <a:fld id="{EA9B6AC5-70A9-498F-82A7-33A1359BA003}" type="datetimeFigureOut">
               <a:rPr lang="de-DE" smtClean="0"/>
-              <a:t>14.01.2016</a:t>
+              <a:t>15.01.2016</a:t>
             </a:fld>
             <a:endParaRPr lang="de-DE"/>
           </a:p>
@@ -4252,7 +4253,21 @@
           <a:p>
             <a:r>
               <a:rPr lang="de-DE" dirty="0" smtClean="0"/>
-              <a:t>Von Stefan Beigel und Kevin Edinger</a:t>
+              <a:t>Von Stefan Beigel und Kevin </a:t>
+            </a:r>
+            <a:r>
+              <a:rPr lang="de-DE" dirty="0" smtClean="0"/>
+              <a:t>Edinger</a:t>
+            </a:r>
+          </a:p>
+          <a:p>
+            <a:r>
+              <a:rPr lang="de-DE" dirty="0"/>
+              <a:t>Team </a:t>
+            </a:r>
+            <a:r>
+              <a:rPr lang="de-DE" smtClean="0"/>
+              <a:t>YeSQL</a:t>
             </a:r>
             <a:endParaRPr lang="de-DE" dirty="0"/>
           </a:p>
@@ -4285,6 +4300,180 @@
     <p:extLst>
       <p:ext uri="{BB962C8B-B14F-4D97-AF65-F5344CB8AC3E}">
         <p14:creationId xmlns:p14="http://schemas.microsoft.com/office/powerpoint/2010/main" val="1193256884"/>
+      </p:ext>
+    </p:extLst>
+  </p:cSld>
+  <p:clrMapOvr>
+    <a:masterClrMapping/>
+  </p:clrMapOvr>
+  <p:transition/>
+  <p:timing>
+    <p:tnLst>
+      <p:par>
+        <p:cTn id="1" dur="indefinite" restart="never" nodeType="tmRoot"/>
+      </p:par>
+    </p:tnLst>
+  </p:timing>
+</p:sld>
+</file>
+
+<file path=ppt/slides/slide10.xml><?xml version="1.0" encoding="utf-8"?>
+<p:sld xmlns:a="http://schemas.openxmlformats.org/drawingml/2006/main" xmlns:r="http://schemas.openxmlformats.org/officeDocument/2006/relationships" xmlns:p="http://schemas.openxmlformats.org/presentationml/2006/main">
+  <p:cSld>
+    <p:spTree>
+      <p:nvGrpSpPr>
+        <p:cNvPr id="1" name=""/>
+        <p:cNvGrpSpPr/>
+        <p:nvPr/>
+      </p:nvGrpSpPr>
+      <p:grpSpPr>
+        <a:xfrm>
+          <a:off x="0" y="0"/>
+          <a:ext cx="0" cy="0"/>
+          <a:chOff x="0" y="0"/>
+          <a:chExt cx="0" cy="0"/>
+        </a:xfrm>
+      </p:grpSpPr>
+      <p:sp>
+        <p:nvSpPr>
+          <p:cNvPr id="2" name="Titel 1"/>
+          <p:cNvSpPr>
+            <a:spLocks noGrp="1"/>
+          </p:cNvSpPr>
+          <p:nvPr>
+            <p:ph type="title"/>
+          </p:nvPr>
+        </p:nvSpPr>
+        <p:spPr/>
+        <p:txBody>
+          <a:bodyPr/>
+          <a:lstStyle/>
+          <a:p>
+            <a:r>
+              <a:rPr lang="de-DE" dirty="0" smtClean="0"/>
+              <a:t>Fragen?</a:t>
+            </a:r>
+            <a:endParaRPr lang="de-DE" dirty="0"/>
+          </a:p>
+        </p:txBody>
+      </p:sp>
+      <p:sp>
+        <p:nvSpPr>
+          <p:cNvPr id="4" name="Fußzeilenplatzhalter 3"/>
+          <p:cNvSpPr>
+            <a:spLocks noGrp="1"/>
+          </p:cNvSpPr>
+          <p:nvPr>
+            <p:ph type="ftr" sz="quarter" idx="10"/>
+          </p:nvPr>
+        </p:nvSpPr>
+        <p:spPr/>
+        <p:txBody>
+          <a:bodyPr/>
+          <a:lstStyle/>
+          <a:p>
+            <a:r>
+              <a:rPr lang="de-DE" smtClean="0"/>
+              <a:t>Dokumentenanalyse mit ElasticSearch | NoSql WS2015 | Stefan Beigel und Kevin Edinger</a:t>
+            </a:r>
+            <a:endParaRPr lang="de-DE" dirty="0"/>
+          </a:p>
+        </p:txBody>
+      </p:sp>
+      <p:sp>
+        <p:nvSpPr>
+          <p:cNvPr id="5" name="Datumsplatzhalter 4"/>
+          <p:cNvSpPr>
+            <a:spLocks noGrp="1"/>
+          </p:cNvSpPr>
+          <p:nvPr>
+            <p:ph type="dt" sz="half" idx="11"/>
+          </p:nvPr>
+        </p:nvSpPr>
+        <p:spPr/>
+        <p:txBody>
+          <a:bodyPr/>
+          <a:lstStyle/>
+          <a:p>
+            <a:r>
+              <a:rPr lang="de-DE" smtClean="0"/>
+              <a:t>05.01.2016</a:t>
+            </a:r>
+            <a:endParaRPr lang="de-DE"/>
+          </a:p>
+        </p:txBody>
+      </p:sp>
+      <p:sp>
+        <p:nvSpPr>
+          <p:cNvPr id="6" name="Foliennummernplatzhalter 5"/>
+          <p:cNvSpPr>
+            <a:spLocks noGrp="1"/>
+          </p:cNvSpPr>
+          <p:nvPr>
+            <p:ph type="sldNum" sz="quarter" idx="4"/>
+          </p:nvPr>
+        </p:nvSpPr>
+        <p:spPr/>
+        <p:txBody>
+          <a:bodyPr/>
+          <a:lstStyle/>
+          <a:p>
+            <a:fld id="{7BD7D46A-08E7-4CF2-9C2F-009C5215CC47}" type="slidenum">
+              <a:rPr lang="de-DE" smtClean="0"/>
+              <a:pPr/>
+              <a:t>10</a:t>
+            </a:fld>
+            <a:endParaRPr lang="de-DE" dirty="0"/>
+          </a:p>
+        </p:txBody>
+      </p:sp>
+      <p:pic>
+        <p:nvPicPr>
+          <p:cNvPr id="1026" name="Picture 2" descr="http://www.lohnbuero-fuer-deutschland.de/wp-content/uploads/2012/12/Fragen-Lohnbuchhaltung-300x300.png"/>
+          <p:cNvPicPr>
+            <a:picLocks noGrp="1" noChangeAspect="1" noChangeArrowheads="1"/>
+          </p:cNvPicPr>
+          <p:nvPr>
+            <p:ph idx="1"/>
+          </p:nvPr>
+        </p:nvPicPr>
+        <p:blipFill>
+          <a:blip r:embed="rId2">
+            <a:extLst>
+              <a:ext uri="{28A0092B-C50C-407E-A947-70E740481C1C}">
+                <a14:useLocalDpi xmlns:a14="http://schemas.microsoft.com/office/drawing/2010/main" val="0"/>
+              </a:ext>
+            </a:extLst>
+          </a:blip>
+          <a:srcRect/>
+          <a:stretch>
+            <a:fillRect/>
+          </a:stretch>
+        </p:blipFill>
+        <p:spPr bwMode="auto">
+          <a:xfrm>
+            <a:off x="5003006" y="3008313"/>
+            <a:ext cx="2857500" cy="2857500"/>
+          </a:xfrm>
+          <a:prstGeom prst="rect">
+            <a:avLst/>
+          </a:prstGeom>
+          <a:noFill/>
+          <a:extLst>
+            <a:ext uri="{909E8E84-426E-40DD-AFC4-6F175D3DCCD1}">
+              <a14:hiddenFill xmlns:a14="http://schemas.microsoft.com/office/drawing/2010/main">
+                <a:solidFill>
+                  <a:srgbClr val="FFFFFF"/>
+                </a:solidFill>
+              </a14:hiddenFill>
+            </a:ext>
+          </a:extLst>
+        </p:spPr>
+      </p:pic>
+    </p:spTree>
+    <p:extLst>
+      <p:ext uri="{BB962C8B-B14F-4D97-AF65-F5344CB8AC3E}">
+        <p14:creationId xmlns:p14="http://schemas.microsoft.com/office/powerpoint/2010/main" val="1868594133"/>
       </p:ext>
     </p:extLst>
   </p:cSld>
@@ -4527,6 +4716,13 @@
     <a:masterClrMapping/>
   </p:clrMapOvr>
   <p:transition/>
+  <p:timing>
+    <p:tnLst>
+      <p:par>
+        <p:cTn id="1" dur="indefinite" restart="never" nodeType="tmRoot"/>
+      </p:par>
+    </p:tnLst>
+  </p:timing>
 </p:sld>
 </file>
 
@@ -4714,6 +4910,13 @@
     <a:masterClrMapping/>
   </p:clrMapOvr>
   <p:transition/>
+  <p:timing>
+    <p:tnLst>
+      <p:par>
+        <p:cTn id="1" dur="indefinite" restart="never" nodeType="tmRoot"/>
+      </p:par>
+    </p:tnLst>
+  </p:timing>
 </p:sld>
 </file>
 
@@ -4975,20 +5178,7 @@
                 <a:latin typeface="Courier New" panose="02070309020205020404" pitchFamily="49" charset="0"/>
                 <a:cs typeface="Courier New" panose="02070309020205020404" pitchFamily="49" charset="0"/>
               </a:rPr>
-              <a:t>GET</a:t>
-            </a:r>
-            <a:r>
-              <a:rPr lang="de-DE" dirty="0" smtClean="0">
-                <a:solidFill>
-                  <a:schemeClr val="accent2">
-                    <a:lumMod val="60000"/>
-                    <a:lumOff val="40000"/>
-                  </a:schemeClr>
-                </a:solidFill>
-                <a:latin typeface="Courier New" panose="02070309020205020404" pitchFamily="49" charset="0"/>
-                <a:cs typeface="Courier New" panose="02070309020205020404" pitchFamily="49" charset="0"/>
-              </a:rPr>
-              <a:t>	/</a:t>
+              <a:t>GET	/</a:t>
             </a:r>
             <a:r>
               <a:rPr lang="de-DE" dirty="0" err="1" smtClean="0">
@@ -5383,10 +5573,10 @@
                 <a:latin typeface="Courier New" panose="02070309020205020404" pitchFamily="49" charset="0"/>
                 <a:cs typeface="Courier New" panose="02070309020205020404" pitchFamily="49" charset="0"/>
               </a:rPr>
-              <a:t>DELETE</a:t>
-            </a:r>
-            <a:r>
-              <a:rPr lang="de-DE" dirty="0" smtClean="0">
+              <a:t>DELETE	/</a:t>
+            </a:r>
+            <a:r>
+              <a:rPr lang="de-DE" dirty="0" err="1" smtClean="0">
                 <a:solidFill>
                   <a:schemeClr val="accent2">
                     <a:lumMod val="60000"/>
@@ -5396,10 +5586,10 @@
                 <a:latin typeface="Courier New" panose="02070309020205020404" pitchFamily="49" charset="0"/>
                 <a:cs typeface="Courier New" panose="02070309020205020404" pitchFamily="49" charset="0"/>
               </a:rPr>
-              <a:t>	/</a:t>
-            </a:r>
-            <a:r>
-              <a:rPr lang="de-DE" dirty="0" err="1" smtClean="0">
+              <a:t>documents</a:t>
+            </a:r>
+            <a:r>
+              <a:rPr lang="de-DE" dirty="0" smtClean="0">
                 <a:solidFill>
                   <a:schemeClr val="accent2">
                     <a:lumMod val="60000"/>
@@ -5409,10 +5599,10 @@
                 <a:latin typeface="Courier New" panose="02070309020205020404" pitchFamily="49" charset="0"/>
                 <a:cs typeface="Courier New" panose="02070309020205020404" pitchFamily="49" charset="0"/>
               </a:rPr>
-              <a:t>documents</a:t>
-            </a:r>
-            <a:r>
-              <a:rPr lang="de-DE" dirty="0" smtClean="0">
+              <a:t>/{</a:t>
+            </a:r>
+            <a:r>
+              <a:rPr lang="de-DE" dirty="0" err="1" smtClean="0">
                 <a:solidFill>
                   <a:schemeClr val="accent2">
                     <a:lumMod val="60000"/>
@@ -5422,10 +5612,10 @@
                 <a:latin typeface="Courier New" panose="02070309020205020404" pitchFamily="49" charset="0"/>
                 <a:cs typeface="Courier New" panose="02070309020205020404" pitchFamily="49" charset="0"/>
               </a:rPr>
-              <a:t>/{</a:t>
-            </a:r>
-            <a:r>
-              <a:rPr lang="de-DE" dirty="0" err="1" smtClean="0">
+              <a:t>id</a:t>
+            </a:r>
+            <a:r>
+              <a:rPr lang="de-DE" dirty="0" smtClean="0">
                 <a:solidFill>
                   <a:schemeClr val="accent2">
                     <a:lumMod val="60000"/>
@@ -5435,8 +5625,10 @@
                 <a:latin typeface="Courier New" panose="02070309020205020404" pitchFamily="49" charset="0"/>
                 <a:cs typeface="Courier New" panose="02070309020205020404" pitchFamily="49" charset="0"/>
               </a:rPr>
-              <a:t>id</a:t>
-            </a:r>
+              <a:t>}</a:t>
+            </a:r>
+          </a:p>
+          <a:p>
             <a:r>
               <a:rPr lang="de-DE" dirty="0" smtClean="0">
                 <a:solidFill>
@@ -5448,12 +5640,10 @@
                 <a:latin typeface="Courier New" panose="02070309020205020404" pitchFamily="49" charset="0"/>
                 <a:cs typeface="Courier New" panose="02070309020205020404" pitchFamily="49" charset="0"/>
               </a:rPr>
-              <a:t>}</a:t>
-            </a:r>
-          </a:p>
-          <a:p>
-            <a:r>
-              <a:rPr lang="de-DE" dirty="0" smtClean="0">
+              <a:t>POST	/</a:t>
+            </a:r>
+            <a:r>
+              <a:rPr lang="de-DE" dirty="0" err="1" smtClean="0">
                 <a:solidFill>
                   <a:schemeClr val="accent2">
                     <a:lumMod val="60000"/>
@@ -5463,10 +5653,10 @@
                 <a:latin typeface="Courier New" panose="02070309020205020404" pitchFamily="49" charset="0"/>
                 <a:cs typeface="Courier New" panose="02070309020205020404" pitchFamily="49" charset="0"/>
               </a:rPr>
-              <a:t>POST	/</a:t>
-            </a:r>
-            <a:r>
-              <a:rPr lang="de-DE" dirty="0" err="1" smtClean="0">
+              <a:t>documents</a:t>
+            </a:r>
+            <a:r>
+              <a:rPr lang="de-DE" dirty="0">
                 <a:solidFill>
                   <a:schemeClr val="accent2">
                     <a:lumMod val="60000"/>
@@ -5476,10 +5666,10 @@
                 <a:latin typeface="Courier New" panose="02070309020205020404" pitchFamily="49" charset="0"/>
                 <a:cs typeface="Courier New" panose="02070309020205020404" pitchFamily="49" charset="0"/>
               </a:rPr>
-              <a:t>documents</a:t>
-            </a:r>
-            <a:r>
-              <a:rPr lang="de-DE" dirty="0">
+              <a:t>	</a:t>
+            </a:r>
+            <a:r>
+              <a:rPr lang="de-DE" dirty="0" smtClean="0">
                 <a:solidFill>
                   <a:schemeClr val="accent2">
                     <a:lumMod val="60000"/>
@@ -5489,10 +5679,10 @@
                 <a:latin typeface="Courier New" panose="02070309020205020404" pitchFamily="49" charset="0"/>
                 <a:cs typeface="Courier New" panose="02070309020205020404" pitchFamily="49" charset="0"/>
               </a:rPr>
-              <a:t>	</a:t>
-            </a:r>
-            <a:r>
-              <a:rPr lang="de-DE" dirty="0" smtClean="0">
+              <a:t>			//</a:t>
+            </a:r>
+            <a:r>
+              <a:rPr lang="de-DE" dirty="0" err="1" smtClean="0">
                 <a:solidFill>
                   <a:schemeClr val="accent2">
                     <a:lumMod val="60000"/>
@@ -5502,7 +5692,7 @@
                 <a:latin typeface="Courier New" panose="02070309020205020404" pitchFamily="49" charset="0"/>
                 <a:cs typeface="Courier New" panose="02070309020205020404" pitchFamily="49" charset="0"/>
               </a:rPr>
-              <a:t>		</a:t>
+              <a:t>Document</a:t>
             </a:r>
             <a:r>
               <a:rPr lang="de-DE" dirty="0" smtClean="0">
@@ -5515,83 +5705,8 @@
                 <a:latin typeface="Courier New" panose="02070309020205020404" pitchFamily="49" charset="0"/>
                 <a:cs typeface="Courier New" panose="02070309020205020404" pitchFamily="49" charset="0"/>
               </a:rPr>
-              <a:t>	</a:t>
-            </a:r>
-            <a:r>
-              <a:rPr lang="de-DE" dirty="0" smtClean="0">
-                <a:solidFill>
-                  <a:schemeClr val="accent2">
-                    <a:lumMod val="60000"/>
-                    <a:lumOff val="40000"/>
-                  </a:schemeClr>
-                </a:solidFill>
-                <a:latin typeface="Courier New" panose="02070309020205020404" pitchFamily="49" charset="0"/>
-                <a:cs typeface="Courier New" panose="02070309020205020404" pitchFamily="49" charset="0"/>
-              </a:rPr>
-              <a:t>//</a:t>
-            </a:r>
-            <a:r>
-              <a:rPr lang="de-DE" dirty="0" err="1" smtClean="0">
-                <a:solidFill>
-                  <a:schemeClr val="accent2">
-                    <a:lumMod val="60000"/>
-                    <a:lumOff val="40000"/>
-                  </a:schemeClr>
-                </a:solidFill>
-                <a:latin typeface="Courier New" panose="02070309020205020404" pitchFamily="49" charset="0"/>
-                <a:cs typeface="Courier New" panose="02070309020205020404" pitchFamily="49" charset="0"/>
-              </a:rPr>
-              <a:t>Document</a:t>
-            </a:r>
-            <a:r>
-              <a:rPr lang="de-DE" dirty="0" smtClean="0">
-                <a:solidFill>
-                  <a:schemeClr val="accent2">
-                    <a:lumMod val="60000"/>
-                    <a:lumOff val="40000"/>
-                  </a:schemeClr>
-                </a:solidFill>
-                <a:latin typeface="Courier New" panose="02070309020205020404" pitchFamily="49" charset="0"/>
-                <a:cs typeface="Courier New" panose="02070309020205020404" pitchFamily="49" charset="0"/>
-              </a:rPr>
-              <a:t> </a:t>
-            </a:r>
-            <a:r>
-              <a:rPr lang="de-DE" dirty="0" smtClean="0">
-                <a:solidFill>
-                  <a:schemeClr val="accent2">
-                    <a:lumMod val="60000"/>
-                    <a:lumOff val="40000"/>
-                  </a:schemeClr>
-                </a:solidFill>
-                <a:latin typeface="Courier New" panose="02070309020205020404" pitchFamily="49" charset="0"/>
-                <a:cs typeface="Courier New" panose="02070309020205020404" pitchFamily="49" charset="0"/>
-              </a:rPr>
-              <a:t>als JSON im </a:t>
-            </a:r>
-            <a:r>
-              <a:rPr lang="de-DE" dirty="0" smtClean="0">
-                <a:solidFill>
-                  <a:schemeClr val="accent2">
-                    <a:lumMod val="60000"/>
-                    <a:lumOff val="40000"/>
-                  </a:schemeClr>
-                </a:solidFill>
-                <a:latin typeface="Courier New" panose="02070309020205020404" pitchFamily="49" charset="0"/>
-                <a:cs typeface="Courier New" panose="02070309020205020404" pitchFamily="49" charset="0"/>
-              </a:rPr>
-              <a:t>Body</a:t>
-            </a:r>
-            <a:endParaRPr lang="de-DE" dirty="0" smtClean="0">
-              <a:solidFill>
-                <a:schemeClr val="accent2">
-                  <a:lumMod val="60000"/>
-                  <a:lumOff val="40000"/>
-                </a:schemeClr>
-              </a:solidFill>
-              <a:latin typeface="Courier New" panose="02070309020205020404" pitchFamily="49" charset="0"/>
-              <a:cs typeface="Courier New" panose="02070309020205020404" pitchFamily="49" charset="0"/>
-            </a:endParaRPr>
+              <a:t> als JSON im Body</a:t>
+            </a:r>
           </a:p>
           <a:p>
             <a:endParaRPr lang="de-DE" dirty="0" smtClean="0">
@@ -5732,6 +5847,13 @@
     <a:masterClrMapping/>
   </p:clrMapOvr>
   <p:transition/>
+  <p:timing>
+    <p:tnLst>
+      <p:par>
+        <p:cTn id="1" dur="indefinite" restart="never" nodeType="tmRoot"/>
+      </p:par>
+    </p:tnLst>
+  </p:timing>
 </p:sld>
 </file>
 
@@ -5798,6 +5920,17 @@
               <a:rPr lang="de-DE" dirty="0" smtClean="0"/>
               <a:t>Reihenfolge der Suchergebnisse</a:t>
             </a:r>
+          </a:p>
+          <a:p>
+            <a:pPr marL="468313" lvl="1" indent="-285750"/>
+            <a:r>
+              <a:rPr lang="de-DE" dirty="0" smtClean="0"/>
+              <a:t>Reihenfolge ist nicht nach Häufigkeit des </a:t>
+            </a:r>
+            <a:r>
+              <a:rPr lang="de-DE" smtClean="0"/>
+              <a:t>Wortes sortiert!</a:t>
+            </a:r>
             <a:endParaRPr lang="de-DE" dirty="0"/>
           </a:p>
           <a:p>
@@ -5903,6 +6036,13 @@
     <a:masterClrMapping/>
   </p:clrMapOvr>
   <p:transition/>
+  <p:timing>
+    <p:tnLst>
+      <p:par>
+        <p:cTn id="1" dur="indefinite" restart="never" nodeType="tmRoot"/>
+      </p:par>
+    </p:tnLst>
+  </p:timing>
 </p:sld>
 </file>
 
@@ -6162,6 +6302,13 @@
     <a:masterClrMapping/>
   </p:clrMapOvr>
   <p:transition/>
+  <p:timing>
+    <p:tnLst>
+      <p:par>
+        <p:cTn id="1" dur="indefinite" restart="never" nodeType="tmRoot"/>
+      </p:par>
+    </p:tnLst>
+  </p:timing>
 </p:sld>
 </file>
 
@@ -6418,6 +6565,13 @@
     <a:masterClrMapping/>
   </p:clrMapOvr>
   <p:transition/>
+  <p:timing>
+    <p:tnLst>
+      <p:par>
+        <p:cTn id="1" dur="indefinite" restart="never" nodeType="tmRoot"/>
+      </p:par>
+    </p:tnLst>
+  </p:timing>
 </p:sld>
 </file>
 
@@ -6505,6 +6659,24 @@
               <a:t>Dekodieren der Datei auf der Serverseite</a:t>
             </a:r>
           </a:p>
+          <a:p>
+            <a:pPr marL="285750" indent="-285750">
+              <a:buFont typeface="Arial" panose="020B0604020202020204" pitchFamily="34" charset="0"/>
+              <a:buChar char="•"/>
+            </a:pPr>
+            <a:r>
+              <a:rPr lang="de-DE" dirty="0" smtClean="0"/>
+              <a:t>Speichern in ElasticSearch durch das Attachment-</a:t>
+            </a:r>
+            <a:r>
+              <a:rPr lang="de-DE" dirty="0" err="1" smtClean="0"/>
+              <a:t>Plugin</a:t>
+            </a:r>
+            <a:r>
+              <a:rPr lang="de-DE" dirty="0" smtClean="0"/>
+              <a:t> von ElasticSearch</a:t>
+            </a:r>
+          </a:p>
         </p:txBody>
       </p:sp>
       <p:sp>
@@ -6588,6 +6760,13 @@
     <a:masterClrMapping/>
   </p:clrMapOvr>
   <p:transition/>
+  <p:timing>
+    <p:tnLst>
+      <p:par>
+        <p:cTn id="1" dur="indefinite" restart="never" nodeType="tmRoot"/>
+      </p:par>
+    </p:tnLst>
+  </p:timing>
 </p:sld>
 </file>
 
@@ -6763,6 +6942,13 @@
     <a:masterClrMapping/>
   </p:clrMapOvr>
   <p:transition/>
+  <p:timing>
+    <p:tnLst>
+      <p:par>
+        <p:cTn id="1" dur="indefinite" restart="never" nodeType="tmRoot"/>
+      </p:par>
+    </p:tnLst>
+  </p:timing>
 </p:sld>
 </file>
 
